--- a/Apresentações PPT/HSO-Sprint3.pptx
+++ b/Apresentações PPT/HSO-Sprint3.pptx
@@ -5,10 +5,10 @@
     <p:sldMasterId id="2147483648" r:id="rId1"/>
   </p:sldMasterIdLst>
   <p:notesMasterIdLst>
-    <p:notesMasterId r:id="rId17"/>
+    <p:notesMasterId r:id="rId15"/>
   </p:notesMasterIdLst>
   <p:handoutMasterIdLst>
-    <p:handoutMasterId r:id="rId18"/>
+    <p:handoutMasterId r:id="rId16"/>
   </p:handoutMasterIdLst>
   <p:sldIdLst>
     <p:sldId id="966" r:id="rId2"/>
@@ -17,20 +17,18 @@
     <p:sldId id="886" r:id="rId5"/>
     <p:sldId id="1079" r:id="rId6"/>
     <p:sldId id="1070" r:id="rId7"/>
-    <p:sldId id="1069" r:id="rId8"/>
-    <p:sldId id="1071" r:id="rId9"/>
-    <p:sldId id="1087" r:id="rId10"/>
-    <p:sldId id="1081" r:id="rId11"/>
-    <p:sldId id="1095" r:id="rId12"/>
-    <p:sldId id="1097" r:id="rId13"/>
-    <p:sldId id="1068" r:id="rId14"/>
-    <p:sldId id="1096" r:id="rId15"/>
-    <p:sldId id="1067" r:id="rId16"/>
+    <p:sldId id="1087" r:id="rId8"/>
+    <p:sldId id="1081" r:id="rId9"/>
+    <p:sldId id="1095" r:id="rId10"/>
+    <p:sldId id="1097" r:id="rId11"/>
+    <p:sldId id="1068" r:id="rId12"/>
+    <p:sldId id="1096" r:id="rId13"/>
+    <p:sldId id="1067" r:id="rId14"/>
   </p:sldIdLst>
   <p:sldSz cx="12192000" cy="6858000"/>
   <p:notesSz cx="6858000" cy="9144000"/>
   <p:custDataLst>
-    <p:tags r:id="rId19"/>
+    <p:tags r:id="rId17"/>
   </p:custDataLst>
   <p:defaultTextStyle>
     <a:defPPr>
@@ -223,7 +221,7 @@
               <a:rPr lang="zh-CN" altLang="en-US" smtClean="0">
                 <a:cs typeface="思源黑体 Medium" panose="020B0600000000000000" charset="-122"/>
               </a:rPr>
-              <a:t>2022/11/25</a:t>
+              <a:t>2022/11/29</a:t>
             </a:fld>
             <a:endParaRPr lang="zh-CN" altLang="en-US">
               <a:cs typeface="思源黑体 Medium" panose="020B0600000000000000" charset="-122"/>
@@ -401,7 +399,7 @@
           <a:p>
             <a:fld id="{194B174E-A890-4F47-9767-FC09A14BD67E}" type="datetimeFigureOut">
               <a:rPr lang="zh-CN" altLang="en-US" smtClean="0"/>
-              <a:t>2022/11/25</a:t>
+              <a:t>2022/11/29</a:t>
             </a:fld>
             <a:endParaRPr lang="zh-CN" altLang="en-US"/>
           </a:p>
@@ -771,11 +769,16 @@
           <a:bodyPr/>
           <a:lstStyle/>
           <a:p>
-            <a:endParaRPr lang="zh-CN" altLang="en-US" dirty="0"/>
+            <a:endParaRPr lang="zh-CN" altLang="en-US"/>
           </a:p>
         </p:txBody>
       </p:sp>
     </p:spTree>
+    <p:extLst>
+      <p:ext uri="{BB962C8B-B14F-4D97-AF65-F5344CB8AC3E}">
+        <p14:creationId xmlns:p14="http://schemas.microsoft.com/office/powerpoint/2010/main" val="2634908070"/>
+      </p:ext>
+    </p:extLst>
   </p:cSld>
   <p:clrMapOvr>
     <a:masterClrMapping/>
@@ -832,11 +835,6 @@
         </p:txBody>
       </p:sp>
     </p:spTree>
-    <p:extLst>
-      <p:ext uri="{BB962C8B-B14F-4D97-AF65-F5344CB8AC3E}">
-        <p14:creationId xmlns:p14="http://schemas.microsoft.com/office/powerpoint/2010/main" val="931357617"/>
-      </p:ext>
-    </p:extLst>
   </p:cSld>
   <p:clrMapOvr>
     <a:masterClrMapping/>
@@ -895,7 +893,7 @@
     </p:spTree>
     <p:extLst>
       <p:ext uri="{BB962C8B-B14F-4D97-AF65-F5344CB8AC3E}">
-        <p14:creationId xmlns:p14="http://schemas.microsoft.com/office/powerpoint/2010/main" val="2634908070"/>
+        <p14:creationId xmlns:p14="http://schemas.microsoft.com/office/powerpoint/2010/main" val="607321105"/>
       </p:ext>
     </p:extLst>
   </p:cSld>
@@ -949,123 +947,6 @@
           <a:bodyPr/>
           <a:lstStyle/>
           <a:p>
-            <a:endParaRPr lang="zh-CN" altLang="en-US"/>
-          </a:p>
-        </p:txBody>
-      </p:sp>
-    </p:spTree>
-  </p:cSld>
-  <p:clrMapOvr>
-    <a:masterClrMapping/>
-  </p:clrMapOvr>
-</p:notes>
-</file>
-
-<file path=ppt/notesSlides/notesSlide14.xml><?xml version="1.0" encoding="utf-8"?>
-<p:notes xmlns:a="http://schemas.openxmlformats.org/drawingml/2006/main" xmlns:r="http://schemas.openxmlformats.org/officeDocument/2006/relationships" xmlns:p="http://schemas.openxmlformats.org/presentationml/2006/main">
-  <p:cSld>
-    <p:spTree>
-      <p:nvGrpSpPr>
-        <p:cNvPr id="1" name=""/>
-        <p:cNvGrpSpPr/>
-        <p:nvPr/>
-      </p:nvGrpSpPr>
-      <p:grpSpPr>
-        <a:xfrm>
-          <a:off x="0" y="0"/>
-          <a:ext cx="0" cy="0"/>
-          <a:chOff x="0" y="0"/>
-          <a:chExt cx="0" cy="0"/>
-        </a:xfrm>
-      </p:grpSpPr>
-      <p:sp>
-        <p:nvSpPr>
-          <p:cNvPr id="2" name="幻灯片图像占位符 1"/>
-          <p:cNvSpPr>
-            <a:spLocks noGrp="1" noRot="1" noChangeAspect="1"/>
-          </p:cNvSpPr>
-          <p:nvPr>
-            <p:ph type="sldImg" idx="2"/>
-          </p:nvPr>
-        </p:nvSpPr>
-        <p:spPr/>
-      </p:sp>
-      <p:sp>
-        <p:nvSpPr>
-          <p:cNvPr id="3" name="文本占位符 2"/>
-          <p:cNvSpPr>
-            <a:spLocks noGrp="1"/>
-          </p:cNvSpPr>
-          <p:nvPr>
-            <p:ph type="body" idx="3"/>
-          </p:nvPr>
-        </p:nvSpPr>
-        <p:spPr/>
-        <p:txBody>
-          <a:bodyPr/>
-          <a:lstStyle/>
-          <a:p>
-            <a:endParaRPr lang="zh-CN" altLang="en-US"/>
-          </a:p>
-        </p:txBody>
-      </p:sp>
-    </p:spTree>
-    <p:extLst>
-      <p:ext uri="{BB962C8B-B14F-4D97-AF65-F5344CB8AC3E}">
-        <p14:creationId xmlns:p14="http://schemas.microsoft.com/office/powerpoint/2010/main" val="607321105"/>
-      </p:ext>
-    </p:extLst>
-  </p:cSld>
-  <p:clrMapOvr>
-    <a:masterClrMapping/>
-  </p:clrMapOvr>
-</p:notes>
-</file>
-
-<file path=ppt/notesSlides/notesSlide15.xml><?xml version="1.0" encoding="utf-8"?>
-<p:notes xmlns:a="http://schemas.openxmlformats.org/drawingml/2006/main" xmlns:r="http://schemas.openxmlformats.org/officeDocument/2006/relationships" xmlns:p="http://schemas.openxmlformats.org/presentationml/2006/main">
-  <p:cSld>
-    <p:spTree>
-      <p:nvGrpSpPr>
-        <p:cNvPr id="1" name=""/>
-        <p:cNvGrpSpPr/>
-        <p:nvPr/>
-      </p:nvGrpSpPr>
-      <p:grpSpPr>
-        <a:xfrm>
-          <a:off x="0" y="0"/>
-          <a:ext cx="0" cy="0"/>
-          <a:chOff x="0" y="0"/>
-          <a:chExt cx="0" cy="0"/>
-        </a:xfrm>
-      </p:grpSpPr>
-      <p:sp>
-        <p:nvSpPr>
-          <p:cNvPr id="2" name="幻灯片图像占位符 1"/>
-          <p:cNvSpPr>
-            <a:spLocks noGrp="1" noRot="1" noChangeAspect="1"/>
-          </p:cNvSpPr>
-          <p:nvPr>
-            <p:ph type="sldImg" idx="2"/>
-          </p:nvPr>
-        </p:nvSpPr>
-        <p:spPr/>
-      </p:sp>
-      <p:sp>
-        <p:nvSpPr>
-          <p:cNvPr id="3" name="文本占位符 2"/>
-          <p:cNvSpPr>
-            <a:spLocks noGrp="1"/>
-          </p:cNvSpPr>
-          <p:nvPr>
-            <p:ph type="body" idx="3"/>
-          </p:nvPr>
-        </p:nvSpPr>
-        <p:spPr/>
-        <p:txBody>
-          <a:bodyPr/>
-          <a:lstStyle/>
-          <a:p>
             <a:endParaRPr lang="zh-CN" altLang="en-US" dirty="0"/>
           </a:p>
         </p:txBody>
@@ -1458,7 +1339,7 @@
           <a:bodyPr/>
           <a:lstStyle/>
           <a:p>
-            <a:endParaRPr lang="zh-CN" altLang="en-US"/>
+            <a:endParaRPr lang="zh-CN" altLang="en-US" dirty="0"/>
           </a:p>
         </p:txBody>
       </p:sp>
@@ -1519,6 +1400,11 @@
         </p:txBody>
       </p:sp>
     </p:spTree>
+    <p:extLst>
+      <p:ext uri="{BB962C8B-B14F-4D97-AF65-F5344CB8AC3E}">
+        <p14:creationId xmlns:p14="http://schemas.microsoft.com/office/powerpoint/2010/main" val="931357617"/>
+      </p:ext>
+    </p:extLst>
   </p:cSld>
   <p:clrMapOvr>
     <a:masterClrMapping/>
@@ -1679,7 +1565,7 @@
           <a:p>
             <a:fld id="{28DB05B4-51D9-40CE-871D-5A90E14ED656}" type="datetimeFigureOut">
               <a:rPr lang="zh-CN" altLang="en-US" smtClean="0"/>
-              <a:t>2022/11/25</a:t>
+              <a:t>2022/11/29</a:t>
             </a:fld>
             <a:endParaRPr lang="zh-CN" altLang="en-US"/>
           </a:p>
@@ -1932,7 +1818,7 @@
           <a:p>
             <a:fld id="{28DB05B4-51D9-40CE-871D-5A90E14ED656}" type="datetimeFigureOut">
               <a:rPr lang="zh-CN" altLang="en-US" smtClean="0"/>
-              <a:t>2022/11/25</a:t>
+              <a:t>2022/11/29</a:t>
             </a:fld>
             <a:endParaRPr lang="zh-CN" altLang="en-US"/>
           </a:p>
@@ -2185,7 +2071,7 @@
           <a:p>
             <a:fld id="{28DB05B4-51D9-40CE-871D-5A90E14ED656}" type="datetimeFigureOut">
               <a:rPr lang="zh-CN" altLang="en-US" smtClean="0"/>
-              <a:t>2022/11/25</a:t>
+              <a:t>2022/11/29</a:t>
             </a:fld>
             <a:endParaRPr lang="zh-CN" altLang="en-US"/>
           </a:p>
@@ -3425,7 +3311,7 @@
           <a:p>
             <a:fld id="{28DB05B4-51D9-40CE-871D-5A90E14ED656}" type="datetimeFigureOut">
               <a:rPr lang="zh-CN" altLang="en-US" smtClean="0"/>
-              <a:t>2022/11/25</a:t>
+              <a:t>2022/11/29</a:t>
             </a:fld>
             <a:endParaRPr lang="zh-CN" altLang="en-US"/>
           </a:p>
@@ -4899,7 +4785,7 @@
           <a:p>
             <a:fld id="{28DB05B4-51D9-40CE-871D-5A90E14ED656}" type="datetimeFigureOut">
               <a:rPr lang="zh-CN" altLang="en-US" smtClean="0"/>
-              <a:t>2022/11/25</a:t>
+              <a:t>2022/11/29</a:t>
             </a:fld>
             <a:endParaRPr lang="zh-CN" altLang="en-US"/>
           </a:p>
@@ -5237,7 +5123,7 @@
           <a:p>
             <a:fld id="{28DB05B4-51D9-40CE-871D-5A90E14ED656}" type="datetimeFigureOut">
               <a:rPr lang="zh-CN" altLang="en-US" smtClean="0"/>
-              <a:t>2022/11/25</a:t>
+              <a:t>2022/11/29</a:t>
             </a:fld>
             <a:endParaRPr lang="zh-CN" altLang="en-US"/>
           </a:p>
@@ -5715,7 +5601,7 @@
           <a:p>
             <a:fld id="{28DB05B4-51D9-40CE-871D-5A90E14ED656}" type="datetimeFigureOut">
               <a:rPr lang="zh-CN" altLang="en-US" smtClean="0"/>
-              <a:t>2022/11/25</a:t>
+              <a:t>2022/11/29</a:t>
             </a:fld>
             <a:endParaRPr lang="zh-CN" altLang="en-US"/>
           </a:p>
@@ -5883,7 +5769,7 @@
           <a:p>
             <a:fld id="{28DB05B4-51D9-40CE-871D-5A90E14ED656}" type="datetimeFigureOut">
               <a:rPr lang="zh-CN" altLang="en-US" smtClean="0"/>
-              <a:t>2022/11/25</a:t>
+              <a:t>2022/11/29</a:t>
             </a:fld>
             <a:endParaRPr lang="zh-CN" altLang="en-US"/>
           </a:p>
@@ -6015,7 +5901,7 @@
           <a:p>
             <a:fld id="{28DB05B4-51D9-40CE-871D-5A90E14ED656}" type="datetimeFigureOut">
               <a:rPr lang="zh-CN" altLang="en-US" smtClean="0"/>
-              <a:t>2022/11/25</a:t>
+              <a:t>2022/11/29</a:t>
             </a:fld>
             <a:endParaRPr lang="zh-CN" altLang="en-US"/>
           </a:p>
@@ -6350,7 +6236,7 @@
           <a:p>
             <a:fld id="{28DB05B4-51D9-40CE-871D-5A90E14ED656}" type="datetimeFigureOut">
               <a:rPr lang="zh-CN" altLang="en-US" smtClean="0"/>
-              <a:t>2022/11/25</a:t>
+              <a:t>2022/11/29</a:t>
             </a:fld>
             <a:endParaRPr lang="zh-CN" altLang="en-US"/>
           </a:p>
@@ -6652,7 +6538,7 @@
           <a:p>
             <a:fld id="{28DB05B4-51D9-40CE-871D-5A90E14ED656}" type="datetimeFigureOut">
               <a:rPr lang="zh-CN" altLang="en-US" smtClean="0"/>
-              <a:t>2022/11/25</a:t>
+              <a:t>2022/11/29</a:t>
             </a:fld>
             <a:endParaRPr lang="zh-CN" altLang="en-US"/>
           </a:p>
@@ -7413,9 +7299,12 @@
   <p:cSld>
     <p:bg>
       <p:bgPr>
-        <a:solidFill>
-          <a:schemeClr val="bg1"/>
-        </a:solidFill>
+        <a:blipFill rotWithShape="1">
+          <a:blip r:embed="rId3"/>
+          <a:stretch>
+            <a:fillRect/>
+          </a:stretch>
+        </a:blipFill>
         <a:effectLst/>
       </p:bgPr>
     </p:bg>
@@ -7435,13 +7324,375 @@
       </p:grpSpPr>
       <p:sp>
         <p:nvSpPr>
-          <p:cNvPr id="10" name="文本框 9"/>
+          <p:cNvPr id="4" name="椭圆 1">
+            <a:extLst>
+              <a:ext uri="{FF2B5EF4-FFF2-40B4-BE49-F238E27FC236}">
+                <a16:creationId xmlns:a16="http://schemas.microsoft.com/office/drawing/2014/main" id="{97EA5A61-89EB-4718-A5B3-0A3561DA46A9}"/>
+              </a:ext>
+            </a:extLst>
+          </p:cNvPr>
+          <p:cNvSpPr/>
+          <p:nvPr/>
+        </p:nvSpPr>
+        <p:spPr>
+          <a:xfrm>
+            <a:off x="6408886" y="1764270"/>
+            <a:ext cx="1695794" cy="1633838"/>
+          </a:xfrm>
+          <a:prstGeom prst="ellipse">
+            <a:avLst/>
+          </a:prstGeom>
+          <a:solidFill>
+            <a:schemeClr val="bg1">
+              <a:lumMod val="50000"/>
+            </a:schemeClr>
+          </a:solidFill>
+          <a:ln>
+            <a:noFill/>
+          </a:ln>
+        </p:spPr>
+        <p:style>
+          <a:lnRef idx="2">
+            <a:schemeClr val="accent1">
+              <a:shade val="50000"/>
+            </a:schemeClr>
+          </a:lnRef>
+          <a:fillRef idx="1">
+            <a:schemeClr val="accent1"/>
+          </a:fillRef>
+          <a:effectRef idx="0">
+            <a:schemeClr val="accent1"/>
+          </a:effectRef>
+          <a:fontRef idx="minor">
+            <a:schemeClr val="lt1"/>
+          </a:fontRef>
+        </p:style>
+        <p:txBody>
+          <a:bodyPr rtlCol="0" anchor="ctr"/>
+          <a:lstStyle/>
+          <a:p>
+            <a:pPr algn="ctr"/>
+            <a:endParaRPr lang="zh-CN" altLang="en-US" sz="6600" kern="2500" dirty="0">
+              <a:solidFill>
+                <a:schemeClr val="bg1"/>
+              </a:solidFill>
+              <a:latin typeface="思源黑体 ExtraLight" panose="020B0200000000000000" pitchFamily="34" charset="-122"/>
+              <a:ea typeface="思源黑体 ExtraLight" panose="020B0200000000000000" pitchFamily="34" charset="-122"/>
+              <a:cs typeface="思源黑体 CN Regular" panose="020B0500000000000000" charset="-122"/>
+            </a:endParaRPr>
+          </a:p>
+        </p:txBody>
+      </p:sp>
+      <p:sp>
+        <p:nvSpPr>
+          <p:cNvPr id="5" name="椭圆 4">
+            <a:extLst>
+              <a:ext uri="{FF2B5EF4-FFF2-40B4-BE49-F238E27FC236}">
+                <a16:creationId xmlns:a16="http://schemas.microsoft.com/office/drawing/2014/main" id="{4DFFCE49-E0B2-4527-8C2F-8202694B799E}"/>
+              </a:ext>
+            </a:extLst>
+          </p:cNvPr>
+          <p:cNvSpPr/>
+          <p:nvPr/>
+        </p:nvSpPr>
+        <p:spPr>
+          <a:xfrm>
+            <a:off x="5213048" y="3014197"/>
+            <a:ext cx="1765904" cy="1763584"/>
+          </a:xfrm>
+          <a:prstGeom prst="ellipse">
+            <a:avLst/>
+          </a:prstGeom>
+          <a:solidFill>
+            <a:srgbClr val="2499D6"/>
+          </a:solidFill>
+          <a:ln>
+            <a:noFill/>
+          </a:ln>
+        </p:spPr>
+        <p:style>
+          <a:lnRef idx="2">
+            <a:schemeClr val="accent1">
+              <a:shade val="50000"/>
+            </a:schemeClr>
+          </a:lnRef>
+          <a:fillRef idx="1">
+            <a:schemeClr val="accent1"/>
+          </a:fillRef>
+          <a:effectRef idx="0">
+            <a:schemeClr val="accent1"/>
+          </a:effectRef>
+          <a:fontRef idx="minor">
+            <a:schemeClr val="lt1"/>
+          </a:fontRef>
+        </p:style>
+        <p:txBody>
+          <a:bodyPr rtlCol="0" anchor="ctr"/>
+          <a:lstStyle/>
+          <a:p>
+            <a:pPr algn="ctr"/>
+            <a:endParaRPr lang="zh-CN" altLang="en-US" sz="6600" kern="2500" dirty="0">
+              <a:solidFill>
+                <a:schemeClr val="bg1"/>
+              </a:solidFill>
+              <a:latin typeface="思源黑体 ExtraLight" panose="020B0200000000000000" pitchFamily="34" charset="-122"/>
+              <a:ea typeface="思源黑体 ExtraLight" panose="020B0200000000000000" pitchFamily="34" charset="-122"/>
+              <a:cs typeface="思源黑体 CN Regular" panose="020B0500000000000000" charset="-122"/>
+            </a:endParaRPr>
+          </a:p>
+        </p:txBody>
+      </p:sp>
+      <p:pic>
+        <p:nvPicPr>
+          <p:cNvPr id="6" name="Picture 6" descr="Microsoft Azure - Wikipedia">
+            <a:extLst>
+              <a:ext uri="{FF2B5EF4-FFF2-40B4-BE49-F238E27FC236}">
+                <a16:creationId xmlns:a16="http://schemas.microsoft.com/office/drawing/2014/main" id="{F5AA3C16-A685-499A-8165-0655426A19E0}"/>
+              </a:ext>
+            </a:extLst>
+          </p:cNvPr>
+          <p:cNvPicPr/>
+          <p:nvPr/>
+        </p:nvPicPr>
+        <p:blipFill>
+          <a:blip r:embed="rId4"/>
+          <a:stretch/>
+        </p:blipFill>
+        <p:spPr>
+          <a:xfrm>
+            <a:off x="6667462" y="1942070"/>
+            <a:ext cx="1078871" cy="1102495"/>
+          </a:xfrm>
+          <a:prstGeom prst="rect">
+            <a:avLst/>
+          </a:prstGeom>
+          <a:ln>
+            <a:noFill/>
+          </a:ln>
+        </p:spPr>
+      </p:pic>
+      <p:pic>
+        <p:nvPicPr>
+          <p:cNvPr id="7" name="Picture 4" descr="Amazon Web Services – Wikipédia, a enciclopédia livre">
+            <a:extLst>
+              <a:ext uri="{FF2B5EF4-FFF2-40B4-BE49-F238E27FC236}">
+                <a16:creationId xmlns:a16="http://schemas.microsoft.com/office/drawing/2014/main" id="{2B35C8D8-F81E-4A74-A8EE-6B7998D739EB}"/>
+              </a:ext>
+            </a:extLst>
+          </p:cNvPr>
+          <p:cNvPicPr/>
+          <p:nvPr/>
+        </p:nvPicPr>
+        <p:blipFill>
+          <a:blip r:embed="rId5"/>
+          <a:stretch/>
+        </p:blipFill>
+        <p:spPr>
+          <a:xfrm>
+            <a:off x="5396421" y="3565444"/>
+            <a:ext cx="1360109" cy="852490"/>
+          </a:xfrm>
+          <a:prstGeom prst="rect">
+            <a:avLst/>
+          </a:prstGeom>
+          <a:ln>
+            <a:noFill/>
+          </a:ln>
+        </p:spPr>
+      </p:pic>
+      <p:sp>
+        <p:nvSpPr>
+          <p:cNvPr id="8" name="椭圆 1">
+            <a:extLst>
+              <a:ext uri="{FF2B5EF4-FFF2-40B4-BE49-F238E27FC236}">
+                <a16:creationId xmlns:a16="http://schemas.microsoft.com/office/drawing/2014/main" id="{FB49376C-1E0E-4E6F-864D-5B01E3EA0C4B}"/>
+              </a:ext>
+            </a:extLst>
+          </p:cNvPr>
+          <p:cNvSpPr/>
+          <p:nvPr/>
+        </p:nvSpPr>
+        <p:spPr>
+          <a:xfrm>
+            <a:off x="3543391" y="2748006"/>
+            <a:ext cx="1695794" cy="1633838"/>
+          </a:xfrm>
+          <a:prstGeom prst="ellipse">
+            <a:avLst/>
+          </a:prstGeom>
+          <a:solidFill>
+            <a:schemeClr val="bg1">
+              <a:lumMod val="50000"/>
+            </a:schemeClr>
+          </a:solidFill>
+          <a:ln>
+            <a:noFill/>
+          </a:ln>
+        </p:spPr>
+        <p:style>
+          <a:lnRef idx="2">
+            <a:schemeClr val="accent1">
+              <a:shade val="50000"/>
+            </a:schemeClr>
+          </a:lnRef>
+          <a:fillRef idx="1">
+            <a:schemeClr val="accent1"/>
+          </a:fillRef>
+          <a:effectRef idx="0">
+            <a:schemeClr val="accent1"/>
+          </a:effectRef>
+          <a:fontRef idx="minor">
+            <a:schemeClr val="lt1"/>
+          </a:fontRef>
+        </p:style>
+        <p:txBody>
+          <a:bodyPr rtlCol="0" anchor="ctr"/>
+          <a:lstStyle/>
+          <a:p>
+            <a:pPr algn="ctr"/>
+            <a:endParaRPr lang="zh-CN" altLang="en-US" sz="6600" kern="2500" dirty="0">
+              <a:solidFill>
+                <a:schemeClr val="bg1"/>
+              </a:solidFill>
+              <a:latin typeface="思源黑体 ExtraLight" panose="020B0200000000000000" pitchFamily="34" charset="-122"/>
+              <a:ea typeface="思源黑体 ExtraLight" panose="020B0200000000000000" pitchFamily="34" charset="-122"/>
+              <a:cs typeface="思源黑体 CN Regular" panose="020B0500000000000000" charset="-122"/>
+            </a:endParaRPr>
+          </a:p>
+        </p:txBody>
+      </p:sp>
+      <p:pic>
+        <p:nvPicPr>
+          <p:cNvPr id="9" name="Picture 2" descr="https://o.remove.bg/downloads/bff62d5f-6c43-41d4-af4e-2156a2b4c341/image-removebg-preview.png">
+            <a:extLst>
+              <a:ext uri="{FF2B5EF4-FFF2-40B4-BE49-F238E27FC236}">
+                <a16:creationId xmlns:a16="http://schemas.microsoft.com/office/drawing/2014/main" id="{14CD42CF-2F2C-42D2-AA73-86B1A70F53D5}"/>
+              </a:ext>
+            </a:extLst>
+          </p:cNvPr>
+          <p:cNvPicPr/>
+          <p:nvPr/>
+        </p:nvPicPr>
+        <p:blipFill>
+          <a:blip r:embed="rId6"/>
+          <a:stretch/>
+        </p:blipFill>
+        <p:spPr>
+          <a:xfrm>
+            <a:off x="3607558" y="3195002"/>
+            <a:ext cx="1567459" cy="739846"/>
+          </a:xfrm>
+          <a:prstGeom prst="rect">
+            <a:avLst/>
+          </a:prstGeom>
+          <a:ln>
+            <a:noFill/>
+          </a:ln>
+        </p:spPr>
+      </p:pic>
+      <p:sp>
+        <p:nvSpPr>
+          <p:cNvPr id="10" name="椭圆 4">
+            <a:extLst>
+              <a:ext uri="{FF2B5EF4-FFF2-40B4-BE49-F238E27FC236}">
+                <a16:creationId xmlns:a16="http://schemas.microsoft.com/office/drawing/2014/main" id="{2CEFE2F4-7B05-4ECC-8943-CBA79F3D6069}"/>
+              </a:ext>
+            </a:extLst>
+          </p:cNvPr>
+          <p:cNvSpPr/>
+          <p:nvPr/>
+        </p:nvSpPr>
+        <p:spPr>
+          <a:xfrm>
+            <a:off x="4646562" y="1334871"/>
+            <a:ext cx="1765904" cy="1763584"/>
+          </a:xfrm>
+          <a:prstGeom prst="ellipse">
+            <a:avLst/>
+          </a:prstGeom>
+          <a:solidFill>
+            <a:srgbClr val="2499D6"/>
+          </a:solidFill>
+          <a:ln>
+            <a:noFill/>
+          </a:ln>
+        </p:spPr>
+        <p:style>
+          <a:lnRef idx="2">
+            <a:schemeClr val="accent1">
+              <a:shade val="50000"/>
+            </a:schemeClr>
+          </a:lnRef>
+          <a:fillRef idx="1">
+            <a:schemeClr val="accent1"/>
+          </a:fillRef>
+          <a:effectRef idx="0">
+            <a:schemeClr val="accent1"/>
+          </a:effectRef>
+          <a:fontRef idx="minor">
+            <a:schemeClr val="lt1"/>
+          </a:fontRef>
+        </p:style>
+        <p:txBody>
+          <a:bodyPr rtlCol="0" anchor="ctr"/>
+          <a:lstStyle/>
+          <a:p>
+            <a:pPr algn="ctr"/>
+            <a:endParaRPr lang="zh-CN" altLang="en-US" sz="6600" kern="2500" dirty="0">
+              <a:solidFill>
+                <a:schemeClr val="bg1"/>
+              </a:solidFill>
+              <a:latin typeface="思源黑体 ExtraLight" panose="020B0200000000000000" pitchFamily="34" charset="-122"/>
+              <a:ea typeface="思源黑体 ExtraLight" panose="020B0200000000000000" pitchFamily="34" charset="-122"/>
+              <a:cs typeface="思源黑体 CN Regular" panose="020B0500000000000000" charset="-122"/>
+            </a:endParaRPr>
+          </a:p>
+        </p:txBody>
+      </p:sp>
+      <p:pic>
+        <p:nvPicPr>
+          <p:cNvPr id="11" name="Picture 8" descr="Logotipo do github - ícones de mídia social grátis">
+            <a:extLst>
+              <a:ext uri="{FF2B5EF4-FFF2-40B4-BE49-F238E27FC236}">
+                <a16:creationId xmlns:a16="http://schemas.microsoft.com/office/drawing/2014/main" id="{0BABF241-1D4F-47C1-AB71-E78A78CCDFAD}"/>
+              </a:ext>
+            </a:extLst>
+          </p:cNvPr>
+          <p:cNvPicPr/>
+          <p:nvPr/>
+        </p:nvPicPr>
+        <p:blipFill>
+          <a:blip r:embed="rId7"/>
+          <a:stretch/>
+        </p:blipFill>
+        <p:spPr>
+          <a:xfrm>
+            <a:off x="4907056" y="1545254"/>
+            <a:ext cx="1258560" cy="1258560"/>
+          </a:xfrm>
+          <a:prstGeom prst="rect">
+            <a:avLst/>
+          </a:prstGeom>
+          <a:ln>
+            <a:noFill/>
+          </a:ln>
+        </p:spPr>
+      </p:pic>
+      <p:sp>
+        <p:nvSpPr>
+          <p:cNvPr id="12" name="文本框 9">
+            <a:extLst>
+              <a:ext uri="{FF2B5EF4-FFF2-40B4-BE49-F238E27FC236}">
+                <a16:creationId xmlns:a16="http://schemas.microsoft.com/office/drawing/2014/main" id="{959631EC-6A1A-4434-8DE9-EE223C2D5DAB}"/>
+              </a:ext>
+            </a:extLst>
+          </p:cNvPr>
           <p:cNvSpPr txBox="1"/>
           <p:nvPr/>
         </p:nvSpPr>
         <p:spPr>
           <a:xfrm>
-            <a:off x="3298311" y="0"/>
+            <a:off x="3298311" y="315467"/>
             <a:ext cx="5595377" cy="523220"/>
           </a:xfrm>
           <a:prstGeom prst="rect">
@@ -7468,63 +7719,7 @@
                 <a:ea typeface="思源黑体 CN Heavy" panose="020B0A00000000000000" pitchFamily="34" charset="-122"/>
                 <a:cs typeface="思源黑体 CN Regular" panose="020B0500000000000000" charset="-122"/>
               </a:rPr>
-              <a:t>Diagrama</a:t>
-            </a:r>
-            <a:r>
-              <a:rPr lang="en-US" altLang="zh-CN" sz="2800" dirty="0">
-                <a:solidFill>
-                  <a:schemeClr val="tx1">
-                    <a:lumMod val="95000"/>
-                    <a:lumOff val="5000"/>
-                  </a:schemeClr>
-                </a:solidFill>
-                <a:latin typeface="思源黑体 CN Heavy" panose="020B0A00000000000000" pitchFamily="34" charset="-122"/>
-                <a:ea typeface="思源黑体 CN Heavy" panose="020B0A00000000000000" pitchFamily="34" charset="-122"/>
-                <a:cs typeface="思源黑体 CN Regular" panose="020B0500000000000000" charset="-122"/>
-              </a:rPr>
-              <a:t> de </a:t>
-            </a:r>
-            <a:r>
-              <a:rPr lang="en-US" altLang="zh-CN" sz="2800" dirty="0" err="1">
-                <a:solidFill>
-                  <a:schemeClr val="tx1">
-                    <a:lumMod val="95000"/>
-                    <a:lumOff val="5000"/>
-                  </a:schemeClr>
-                </a:solidFill>
-                <a:latin typeface="思源黑体 CN Heavy" panose="020B0A00000000000000" pitchFamily="34" charset="-122"/>
-                <a:ea typeface="思源黑体 CN Heavy" panose="020B0A00000000000000" pitchFamily="34" charset="-122"/>
-                <a:cs typeface="思源黑体 CN Regular" panose="020B0500000000000000" charset="-122"/>
-              </a:rPr>
-              <a:t>soução</a:t>
-            </a:r>
-            <a:r>
-              <a:rPr lang="en-US" altLang="zh-CN" sz="2800" dirty="0">
-                <a:solidFill>
-                  <a:schemeClr val="tx1">
-                    <a:lumMod val="95000"/>
-                    <a:lumOff val="5000"/>
-                  </a:schemeClr>
-                </a:solidFill>
-                <a:latin typeface="思源黑体 CN Heavy" panose="020B0A00000000000000" pitchFamily="34" charset="-122"/>
-                <a:ea typeface="思源黑体 CN Heavy" panose="020B0A00000000000000" pitchFamily="34" charset="-122"/>
-                <a:cs typeface="思源黑体 CN Regular" panose="020B0500000000000000" charset="-122"/>
-              </a:rPr>
-              <a:t> </a:t>
-            </a:r>
-            <a:r>
-              <a:rPr lang="en-US" altLang="zh-CN" sz="2800" dirty="0" err="1">
-                <a:solidFill>
-                  <a:schemeClr val="tx1">
-                    <a:lumMod val="95000"/>
-                    <a:lumOff val="5000"/>
-                  </a:schemeClr>
-                </a:solidFill>
-                <a:latin typeface="思源黑体 CN Heavy" panose="020B0A00000000000000" pitchFamily="34" charset="-122"/>
-                <a:ea typeface="思源黑体 CN Heavy" panose="020B0A00000000000000" pitchFamily="34" charset="-122"/>
-                <a:cs typeface="思源黑体 CN Regular" panose="020B0500000000000000" charset="-122"/>
-              </a:rPr>
-              <a:t>técnico</a:t>
+              <a:t>Demonstração</a:t>
             </a:r>
             <a:endParaRPr lang="en-US" altLang="zh-CN" sz="2800" b="0" i="0" dirty="0">
               <a:solidFill>
@@ -7542,196 +7737,10 @@
           </a:p>
         </p:txBody>
       </p:sp>
-      <p:pic>
-        <p:nvPicPr>
-          <p:cNvPr id="5" name="Imagem 4">
-            <a:extLst>
-              <a:ext uri="{FF2B5EF4-FFF2-40B4-BE49-F238E27FC236}">
-                <a16:creationId xmlns:a16="http://schemas.microsoft.com/office/drawing/2014/main" id="{065C2AA9-2E3E-42BD-AF1E-A7ADA8F8074C}"/>
-              </a:ext>
-            </a:extLst>
-          </p:cNvPr>
-          <p:cNvPicPr>
-            <a:picLocks noChangeAspect="1"/>
-          </p:cNvPicPr>
-          <p:nvPr/>
-        </p:nvPicPr>
-        <p:blipFill>
-          <a:blip r:embed="rId3">
-            <a:extLst>
-              <a:ext uri="{28A0092B-C50C-407E-A947-70E740481C1C}">
-                <a14:useLocalDpi xmlns:a14="http://schemas.microsoft.com/office/drawing/2010/main" val="0"/>
-              </a:ext>
-            </a:extLst>
-          </a:blip>
-          <a:stretch>
-            <a:fillRect/>
-          </a:stretch>
-        </p:blipFill>
-        <p:spPr>
-          <a:xfrm>
-            <a:off x="379828" y="523220"/>
-            <a:ext cx="11432343" cy="6334780"/>
-          </a:xfrm>
-          <a:prstGeom prst="rect">
-            <a:avLst/>
-          </a:prstGeom>
-        </p:spPr>
-      </p:pic>
-    </p:spTree>
-  </p:cSld>
-  <p:clrMapOvr>
-    <a:masterClrMapping/>
-  </p:clrMapOvr>
-</p:sld>
-</file>
-
-<file path=ppt/slides/slide11.xml><?xml version="1.0" encoding="utf-8"?>
-<p:sld xmlns:a="http://schemas.openxmlformats.org/drawingml/2006/main" xmlns:r="http://schemas.openxmlformats.org/officeDocument/2006/relationships" xmlns:p="http://schemas.openxmlformats.org/presentationml/2006/main">
-  <p:cSld>
-    <p:bg>
-      <p:bgPr>
-        <a:solidFill>
-          <a:schemeClr val="bg1"/>
-        </a:solidFill>
-        <a:effectLst/>
-      </p:bgPr>
-    </p:bg>
-    <p:spTree>
-      <p:nvGrpSpPr>
-        <p:cNvPr id="1" name=""/>
-        <p:cNvGrpSpPr/>
-        <p:nvPr/>
-      </p:nvGrpSpPr>
-      <p:grpSpPr>
-        <a:xfrm>
-          <a:off x="0" y="0"/>
-          <a:ext cx="0" cy="0"/>
-          <a:chOff x="0" y="0"/>
-          <a:chExt cx="0" cy="0"/>
-        </a:xfrm>
-      </p:grpSpPr>
-      <p:sp>
-        <p:nvSpPr>
-          <p:cNvPr id="10" name="文本框 9"/>
-          <p:cNvSpPr txBox="1"/>
-          <p:nvPr/>
-        </p:nvSpPr>
-        <p:spPr>
-          <a:xfrm>
-            <a:off x="3244385" y="5805"/>
-            <a:ext cx="5595377" cy="523220"/>
-          </a:xfrm>
-          <a:prstGeom prst="rect">
-            <a:avLst/>
-          </a:prstGeom>
-          <a:noFill/>
-        </p:spPr>
-        <p:txBody>
-          <a:bodyPr wrap="square" rtlCol="0">
-            <a:spAutoFit/>
-          </a:bodyPr>
-          <a:lstStyle/>
-          <a:p>
-            <a:pPr algn="ctr"/>
-            <a:r>
-              <a:rPr lang="en-US" altLang="zh-CN" sz="2800" dirty="0" err="1">
-                <a:solidFill>
-                  <a:schemeClr val="tx1">
-                    <a:lumMod val="95000"/>
-                    <a:lumOff val="5000"/>
-                  </a:schemeClr>
-                </a:solidFill>
-                <a:latin typeface="思源黑体 CN Heavy" panose="020B0A00000000000000" pitchFamily="34" charset="-122"/>
-                <a:ea typeface="思源黑体 CN Heavy" panose="020B0A00000000000000" pitchFamily="34" charset="-122"/>
-                <a:cs typeface="思源黑体 CN Regular" panose="020B0500000000000000" charset="-122"/>
-              </a:rPr>
-              <a:t>Diagrama</a:t>
-            </a:r>
-            <a:r>
-              <a:rPr lang="en-US" altLang="zh-CN" sz="2800" dirty="0">
-                <a:solidFill>
-                  <a:schemeClr val="tx1">
-                    <a:lumMod val="95000"/>
-                    <a:lumOff val="5000"/>
-                  </a:schemeClr>
-                </a:solidFill>
-                <a:latin typeface="思源黑体 CN Heavy" panose="020B0A00000000000000" pitchFamily="34" charset="-122"/>
-                <a:ea typeface="思源黑体 CN Heavy" panose="020B0A00000000000000" pitchFamily="34" charset="-122"/>
-                <a:cs typeface="思源黑体 CN Regular" panose="020B0500000000000000" charset="-122"/>
-              </a:rPr>
-              <a:t> de </a:t>
-            </a:r>
-            <a:r>
-              <a:rPr lang="en-US" altLang="zh-CN" sz="2800" dirty="0" err="1">
-                <a:solidFill>
-                  <a:schemeClr val="tx1">
-                    <a:lumMod val="95000"/>
-                    <a:lumOff val="5000"/>
-                  </a:schemeClr>
-                </a:solidFill>
-                <a:latin typeface="思源黑体 CN Heavy" panose="020B0A00000000000000" pitchFamily="34" charset="-122"/>
-                <a:ea typeface="思源黑体 CN Heavy" panose="020B0A00000000000000" pitchFamily="34" charset="-122"/>
-                <a:cs typeface="思源黑体 CN Regular" panose="020B0500000000000000" charset="-122"/>
-              </a:rPr>
-              <a:t>classe</a:t>
-            </a:r>
-            <a:endParaRPr lang="en-US" altLang="zh-CN" sz="2800" b="0" i="0" dirty="0">
-              <a:solidFill>
-                <a:schemeClr val="tx1">
-                  <a:lumMod val="95000"/>
-                  <a:lumOff val="5000"/>
-                </a:schemeClr>
-              </a:solidFill>
-              <a:effectLst/>
-              <a:uFillTx/>
-              <a:latin typeface="思源黑体 CN Heavy" panose="020B0A00000000000000" pitchFamily="34" charset="-122"/>
-              <a:ea typeface="思源黑体 CN Heavy" panose="020B0A00000000000000" pitchFamily="34" charset="-122"/>
-              <a:cs typeface="思源黑体 CN Regular" panose="020B0500000000000000" charset="-122"/>
-            </a:endParaRPr>
-          </a:p>
-        </p:txBody>
-      </p:sp>
-      <p:pic>
-        <p:nvPicPr>
-          <p:cNvPr id="3" name="Imagem 2">
-            <a:extLst>
-              <a:ext uri="{FF2B5EF4-FFF2-40B4-BE49-F238E27FC236}">
-                <a16:creationId xmlns:a16="http://schemas.microsoft.com/office/drawing/2014/main" id="{3A30600C-7AC9-4910-AC0B-98C69B5BD7E5}"/>
-              </a:ext>
-            </a:extLst>
-          </p:cNvPr>
-          <p:cNvPicPr>
-            <a:picLocks noChangeAspect="1"/>
-          </p:cNvPicPr>
-          <p:nvPr/>
-        </p:nvPicPr>
-        <p:blipFill>
-          <a:blip r:embed="rId3">
-            <a:extLst>
-              <a:ext uri="{28A0092B-C50C-407E-A947-70E740481C1C}">
-                <a14:useLocalDpi xmlns:a14="http://schemas.microsoft.com/office/drawing/2010/main" val="0"/>
-              </a:ext>
-            </a:extLst>
-          </a:blip>
-          <a:stretch>
-            <a:fillRect/>
-          </a:stretch>
-        </p:blipFill>
-        <p:spPr>
-          <a:xfrm>
-            <a:off x="0" y="529026"/>
-            <a:ext cx="12192000" cy="6328974"/>
-          </a:xfrm>
-          <a:prstGeom prst="rect">
-            <a:avLst/>
-          </a:prstGeom>
-        </p:spPr>
-      </p:pic>
     </p:spTree>
     <p:extLst>
       <p:ext uri="{BB962C8B-B14F-4D97-AF65-F5344CB8AC3E}">
-        <p14:creationId xmlns:p14="http://schemas.microsoft.com/office/powerpoint/2010/main" val="3827502084"/>
+        <p14:creationId xmlns:p14="http://schemas.microsoft.com/office/powerpoint/2010/main" val="542769152"/>
       </p:ext>
     </p:extLst>
   </p:cSld>
@@ -7741,7 +7750,7 @@
 </p:sld>
 </file>
 
-<file path=ppt/slides/slide12.xml><?xml version="1.0" encoding="utf-8"?>
+<file path=ppt/slides/slide11.xml><?xml version="1.0" encoding="utf-8"?>
 <p:sld xmlns:a="http://schemas.openxmlformats.org/drawingml/2006/main" xmlns:r="http://schemas.openxmlformats.org/officeDocument/2006/relationships" xmlns:p="http://schemas.openxmlformats.org/presentationml/2006/main">
   <p:cSld>
     <p:bg>
@@ -7771,462 +7780,6 @@
       </p:grpSpPr>
       <p:sp>
         <p:nvSpPr>
-          <p:cNvPr id="4" name="椭圆 1">
-            <a:extLst>
-              <a:ext uri="{FF2B5EF4-FFF2-40B4-BE49-F238E27FC236}">
-                <a16:creationId xmlns:a16="http://schemas.microsoft.com/office/drawing/2014/main" id="{97EA5A61-89EB-4718-A5B3-0A3561DA46A9}"/>
-              </a:ext>
-            </a:extLst>
-          </p:cNvPr>
-          <p:cNvSpPr/>
-          <p:nvPr/>
-        </p:nvSpPr>
-        <p:spPr>
-          <a:xfrm>
-            <a:off x="6408886" y="1764270"/>
-            <a:ext cx="1695794" cy="1633838"/>
-          </a:xfrm>
-          <a:prstGeom prst="ellipse">
-            <a:avLst/>
-          </a:prstGeom>
-          <a:solidFill>
-            <a:schemeClr val="bg1">
-              <a:lumMod val="50000"/>
-            </a:schemeClr>
-          </a:solidFill>
-          <a:ln>
-            <a:noFill/>
-          </a:ln>
-        </p:spPr>
-        <p:style>
-          <a:lnRef idx="2">
-            <a:schemeClr val="accent1">
-              <a:shade val="50000"/>
-            </a:schemeClr>
-          </a:lnRef>
-          <a:fillRef idx="1">
-            <a:schemeClr val="accent1"/>
-          </a:fillRef>
-          <a:effectRef idx="0">
-            <a:schemeClr val="accent1"/>
-          </a:effectRef>
-          <a:fontRef idx="minor">
-            <a:schemeClr val="lt1"/>
-          </a:fontRef>
-        </p:style>
-        <p:txBody>
-          <a:bodyPr rtlCol="0" anchor="ctr"/>
-          <a:lstStyle/>
-          <a:p>
-            <a:pPr algn="ctr"/>
-            <a:endParaRPr lang="zh-CN" altLang="en-US" sz="6600" kern="2500" dirty="0">
-              <a:solidFill>
-                <a:schemeClr val="bg1"/>
-              </a:solidFill>
-              <a:latin typeface="思源黑体 ExtraLight" panose="020B0200000000000000" pitchFamily="34" charset="-122"/>
-              <a:ea typeface="思源黑体 ExtraLight" panose="020B0200000000000000" pitchFamily="34" charset="-122"/>
-              <a:cs typeface="思源黑体 CN Regular" panose="020B0500000000000000" charset="-122"/>
-            </a:endParaRPr>
-          </a:p>
-        </p:txBody>
-      </p:sp>
-      <p:sp>
-        <p:nvSpPr>
-          <p:cNvPr id="5" name="椭圆 4">
-            <a:extLst>
-              <a:ext uri="{FF2B5EF4-FFF2-40B4-BE49-F238E27FC236}">
-                <a16:creationId xmlns:a16="http://schemas.microsoft.com/office/drawing/2014/main" id="{4DFFCE49-E0B2-4527-8C2F-8202694B799E}"/>
-              </a:ext>
-            </a:extLst>
-          </p:cNvPr>
-          <p:cNvSpPr/>
-          <p:nvPr/>
-        </p:nvSpPr>
-        <p:spPr>
-          <a:xfrm>
-            <a:off x="5213048" y="3014197"/>
-            <a:ext cx="1765904" cy="1763584"/>
-          </a:xfrm>
-          <a:prstGeom prst="ellipse">
-            <a:avLst/>
-          </a:prstGeom>
-          <a:solidFill>
-            <a:srgbClr val="2499D6"/>
-          </a:solidFill>
-          <a:ln>
-            <a:noFill/>
-          </a:ln>
-        </p:spPr>
-        <p:style>
-          <a:lnRef idx="2">
-            <a:schemeClr val="accent1">
-              <a:shade val="50000"/>
-            </a:schemeClr>
-          </a:lnRef>
-          <a:fillRef idx="1">
-            <a:schemeClr val="accent1"/>
-          </a:fillRef>
-          <a:effectRef idx="0">
-            <a:schemeClr val="accent1"/>
-          </a:effectRef>
-          <a:fontRef idx="minor">
-            <a:schemeClr val="lt1"/>
-          </a:fontRef>
-        </p:style>
-        <p:txBody>
-          <a:bodyPr rtlCol="0" anchor="ctr"/>
-          <a:lstStyle/>
-          <a:p>
-            <a:pPr algn="ctr"/>
-            <a:endParaRPr lang="zh-CN" altLang="en-US" sz="6600" kern="2500" dirty="0">
-              <a:solidFill>
-                <a:schemeClr val="bg1"/>
-              </a:solidFill>
-              <a:latin typeface="思源黑体 ExtraLight" panose="020B0200000000000000" pitchFamily="34" charset="-122"/>
-              <a:ea typeface="思源黑体 ExtraLight" panose="020B0200000000000000" pitchFamily="34" charset="-122"/>
-              <a:cs typeface="思源黑体 CN Regular" panose="020B0500000000000000" charset="-122"/>
-            </a:endParaRPr>
-          </a:p>
-        </p:txBody>
-      </p:sp>
-      <p:pic>
-        <p:nvPicPr>
-          <p:cNvPr id="6" name="Picture 6" descr="Microsoft Azure - Wikipedia">
-            <a:extLst>
-              <a:ext uri="{FF2B5EF4-FFF2-40B4-BE49-F238E27FC236}">
-                <a16:creationId xmlns:a16="http://schemas.microsoft.com/office/drawing/2014/main" id="{F5AA3C16-A685-499A-8165-0655426A19E0}"/>
-              </a:ext>
-            </a:extLst>
-          </p:cNvPr>
-          <p:cNvPicPr/>
-          <p:nvPr/>
-        </p:nvPicPr>
-        <p:blipFill>
-          <a:blip r:embed="rId4"/>
-          <a:stretch/>
-        </p:blipFill>
-        <p:spPr>
-          <a:xfrm>
-            <a:off x="6667462" y="1942070"/>
-            <a:ext cx="1078871" cy="1102495"/>
-          </a:xfrm>
-          <a:prstGeom prst="rect">
-            <a:avLst/>
-          </a:prstGeom>
-          <a:ln>
-            <a:noFill/>
-          </a:ln>
-        </p:spPr>
-      </p:pic>
-      <p:pic>
-        <p:nvPicPr>
-          <p:cNvPr id="7" name="Picture 4" descr="Amazon Web Services – Wikipédia, a enciclopédia livre">
-            <a:extLst>
-              <a:ext uri="{FF2B5EF4-FFF2-40B4-BE49-F238E27FC236}">
-                <a16:creationId xmlns:a16="http://schemas.microsoft.com/office/drawing/2014/main" id="{2B35C8D8-F81E-4A74-A8EE-6B7998D739EB}"/>
-              </a:ext>
-            </a:extLst>
-          </p:cNvPr>
-          <p:cNvPicPr/>
-          <p:nvPr/>
-        </p:nvPicPr>
-        <p:blipFill>
-          <a:blip r:embed="rId5"/>
-          <a:stretch/>
-        </p:blipFill>
-        <p:spPr>
-          <a:xfrm>
-            <a:off x="5396421" y="3565444"/>
-            <a:ext cx="1360109" cy="852490"/>
-          </a:xfrm>
-          <a:prstGeom prst="rect">
-            <a:avLst/>
-          </a:prstGeom>
-          <a:ln>
-            <a:noFill/>
-          </a:ln>
-        </p:spPr>
-      </p:pic>
-      <p:sp>
-        <p:nvSpPr>
-          <p:cNvPr id="8" name="椭圆 1">
-            <a:extLst>
-              <a:ext uri="{FF2B5EF4-FFF2-40B4-BE49-F238E27FC236}">
-                <a16:creationId xmlns:a16="http://schemas.microsoft.com/office/drawing/2014/main" id="{FB49376C-1E0E-4E6F-864D-5B01E3EA0C4B}"/>
-              </a:ext>
-            </a:extLst>
-          </p:cNvPr>
-          <p:cNvSpPr/>
-          <p:nvPr/>
-        </p:nvSpPr>
-        <p:spPr>
-          <a:xfrm>
-            <a:off x="3543391" y="2748006"/>
-            <a:ext cx="1695794" cy="1633838"/>
-          </a:xfrm>
-          <a:prstGeom prst="ellipse">
-            <a:avLst/>
-          </a:prstGeom>
-          <a:solidFill>
-            <a:schemeClr val="bg1">
-              <a:lumMod val="50000"/>
-            </a:schemeClr>
-          </a:solidFill>
-          <a:ln>
-            <a:noFill/>
-          </a:ln>
-        </p:spPr>
-        <p:style>
-          <a:lnRef idx="2">
-            <a:schemeClr val="accent1">
-              <a:shade val="50000"/>
-            </a:schemeClr>
-          </a:lnRef>
-          <a:fillRef idx="1">
-            <a:schemeClr val="accent1"/>
-          </a:fillRef>
-          <a:effectRef idx="0">
-            <a:schemeClr val="accent1"/>
-          </a:effectRef>
-          <a:fontRef idx="minor">
-            <a:schemeClr val="lt1"/>
-          </a:fontRef>
-        </p:style>
-        <p:txBody>
-          <a:bodyPr rtlCol="0" anchor="ctr"/>
-          <a:lstStyle/>
-          <a:p>
-            <a:pPr algn="ctr"/>
-            <a:endParaRPr lang="zh-CN" altLang="en-US" sz="6600" kern="2500" dirty="0">
-              <a:solidFill>
-                <a:schemeClr val="bg1"/>
-              </a:solidFill>
-              <a:latin typeface="思源黑体 ExtraLight" panose="020B0200000000000000" pitchFamily="34" charset="-122"/>
-              <a:ea typeface="思源黑体 ExtraLight" panose="020B0200000000000000" pitchFamily="34" charset="-122"/>
-              <a:cs typeface="思源黑体 CN Regular" panose="020B0500000000000000" charset="-122"/>
-            </a:endParaRPr>
-          </a:p>
-        </p:txBody>
-      </p:sp>
-      <p:pic>
-        <p:nvPicPr>
-          <p:cNvPr id="9" name="Picture 2" descr="https://o.remove.bg/downloads/bff62d5f-6c43-41d4-af4e-2156a2b4c341/image-removebg-preview.png">
-            <a:extLst>
-              <a:ext uri="{FF2B5EF4-FFF2-40B4-BE49-F238E27FC236}">
-                <a16:creationId xmlns:a16="http://schemas.microsoft.com/office/drawing/2014/main" id="{14CD42CF-2F2C-42D2-AA73-86B1A70F53D5}"/>
-              </a:ext>
-            </a:extLst>
-          </p:cNvPr>
-          <p:cNvPicPr/>
-          <p:nvPr/>
-        </p:nvPicPr>
-        <p:blipFill>
-          <a:blip r:embed="rId6"/>
-          <a:stretch/>
-        </p:blipFill>
-        <p:spPr>
-          <a:xfrm>
-            <a:off x="3607558" y="3195002"/>
-            <a:ext cx="1567459" cy="739846"/>
-          </a:xfrm>
-          <a:prstGeom prst="rect">
-            <a:avLst/>
-          </a:prstGeom>
-          <a:ln>
-            <a:noFill/>
-          </a:ln>
-        </p:spPr>
-      </p:pic>
-      <p:sp>
-        <p:nvSpPr>
-          <p:cNvPr id="10" name="椭圆 4">
-            <a:extLst>
-              <a:ext uri="{FF2B5EF4-FFF2-40B4-BE49-F238E27FC236}">
-                <a16:creationId xmlns:a16="http://schemas.microsoft.com/office/drawing/2014/main" id="{2CEFE2F4-7B05-4ECC-8943-CBA79F3D6069}"/>
-              </a:ext>
-            </a:extLst>
-          </p:cNvPr>
-          <p:cNvSpPr/>
-          <p:nvPr/>
-        </p:nvSpPr>
-        <p:spPr>
-          <a:xfrm>
-            <a:off x="4646562" y="1334871"/>
-            <a:ext cx="1765904" cy="1763584"/>
-          </a:xfrm>
-          <a:prstGeom prst="ellipse">
-            <a:avLst/>
-          </a:prstGeom>
-          <a:solidFill>
-            <a:srgbClr val="2499D6"/>
-          </a:solidFill>
-          <a:ln>
-            <a:noFill/>
-          </a:ln>
-        </p:spPr>
-        <p:style>
-          <a:lnRef idx="2">
-            <a:schemeClr val="accent1">
-              <a:shade val="50000"/>
-            </a:schemeClr>
-          </a:lnRef>
-          <a:fillRef idx="1">
-            <a:schemeClr val="accent1"/>
-          </a:fillRef>
-          <a:effectRef idx="0">
-            <a:schemeClr val="accent1"/>
-          </a:effectRef>
-          <a:fontRef idx="minor">
-            <a:schemeClr val="lt1"/>
-          </a:fontRef>
-        </p:style>
-        <p:txBody>
-          <a:bodyPr rtlCol="0" anchor="ctr"/>
-          <a:lstStyle/>
-          <a:p>
-            <a:pPr algn="ctr"/>
-            <a:endParaRPr lang="zh-CN" altLang="en-US" sz="6600" kern="2500" dirty="0">
-              <a:solidFill>
-                <a:schemeClr val="bg1"/>
-              </a:solidFill>
-              <a:latin typeface="思源黑体 ExtraLight" panose="020B0200000000000000" pitchFamily="34" charset="-122"/>
-              <a:ea typeface="思源黑体 ExtraLight" panose="020B0200000000000000" pitchFamily="34" charset="-122"/>
-              <a:cs typeface="思源黑体 CN Regular" panose="020B0500000000000000" charset="-122"/>
-            </a:endParaRPr>
-          </a:p>
-        </p:txBody>
-      </p:sp>
-      <p:pic>
-        <p:nvPicPr>
-          <p:cNvPr id="11" name="Picture 8" descr="Logotipo do github - ícones de mídia social grátis">
-            <a:extLst>
-              <a:ext uri="{FF2B5EF4-FFF2-40B4-BE49-F238E27FC236}">
-                <a16:creationId xmlns:a16="http://schemas.microsoft.com/office/drawing/2014/main" id="{0BABF241-1D4F-47C1-AB71-E78A78CCDFAD}"/>
-              </a:ext>
-            </a:extLst>
-          </p:cNvPr>
-          <p:cNvPicPr/>
-          <p:nvPr/>
-        </p:nvPicPr>
-        <p:blipFill>
-          <a:blip r:embed="rId7"/>
-          <a:stretch/>
-        </p:blipFill>
-        <p:spPr>
-          <a:xfrm>
-            <a:off x="4907056" y="1545254"/>
-            <a:ext cx="1258560" cy="1258560"/>
-          </a:xfrm>
-          <a:prstGeom prst="rect">
-            <a:avLst/>
-          </a:prstGeom>
-          <a:ln>
-            <a:noFill/>
-          </a:ln>
-        </p:spPr>
-      </p:pic>
-      <p:sp>
-        <p:nvSpPr>
-          <p:cNvPr id="12" name="文本框 9">
-            <a:extLst>
-              <a:ext uri="{FF2B5EF4-FFF2-40B4-BE49-F238E27FC236}">
-                <a16:creationId xmlns:a16="http://schemas.microsoft.com/office/drawing/2014/main" id="{959631EC-6A1A-4434-8DE9-EE223C2D5DAB}"/>
-              </a:ext>
-            </a:extLst>
-          </p:cNvPr>
-          <p:cNvSpPr txBox="1"/>
-          <p:nvPr/>
-        </p:nvSpPr>
-        <p:spPr>
-          <a:xfrm>
-            <a:off x="3298311" y="315467"/>
-            <a:ext cx="5595377" cy="523220"/>
-          </a:xfrm>
-          <a:prstGeom prst="rect">
-            <a:avLst/>
-          </a:prstGeom>
-          <a:noFill/>
-        </p:spPr>
-        <p:txBody>
-          <a:bodyPr wrap="square" rtlCol="0">
-            <a:spAutoFit/>
-          </a:bodyPr>
-          <a:lstStyle/>
-          <a:p>
-            <a:pPr algn="ctr"/>
-            <a:r>
-              <a:rPr lang="en-US" altLang="zh-CN" sz="2800" dirty="0" err="1">
-                <a:solidFill>
-                  <a:schemeClr val="tx1">
-                    <a:lumMod val="95000"/>
-                    <a:lumOff val="5000"/>
-                  </a:schemeClr>
-                </a:solidFill>
-                <a:latin typeface="思源黑体 CN Heavy" panose="020B0A00000000000000" pitchFamily="34" charset="-122"/>
-                <a:ea typeface="思源黑体 CN Heavy" panose="020B0A00000000000000" pitchFamily="34" charset="-122"/>
-                <a:cs typeface="思源黑体 CN Regular" panose="020B0500000000000000" charset="-122"/>
-              </a:rPr>
-              <a:t>Demonstração</a:t>
-            </a:r>
-            <a:endParaRPr lang="en-US" altLang="zh-CN" sz="2800" b="0" i="0" dirty="0">
-              <a:solidFill>
-                <a:schemeClr val="tx1">
-                  <a:lumMod val="95000"/>
-                  <a:lumOff val="5000"/>
-                </a:schemeClr>
-              </a:solidFill>
-              <a:effectLst/>
-              <a:uFillTx/>
-              <a:latin typeface="思源黑体 CN Heavy" panose="020B0A00000000000000" pitchFamily="34" charset="-122"/>
-              <a:ea typeface="思源黑体 CN Heavy" panose="020B0A00000000000000" pitchFamily="34" charset="-122"/>
-              <a:cs typeface="思源黑体 CN Regular" panose="020B0500000000000000" charset="-122"/>
-            </a:endParaRPr>
-          </a:p>
-        </p:txBody>
-      </p:sp>
-    </p:spTree>
-    <p:extLst>
-      <p:ext uri="{BB962C8B-B14F-4D97-AF65-F5344CB8AC3E}">
-        <p14:creationId xmlns:p14="http://schemas.microsoft.com/office/powerpoint/2010/main" val="542769152"/>
-      </p:ext>
-    </p:extLst>
-  </p:cSld>
-  <p:clrMapOvr>
-    <a:masterClrMapping/>
-  </p:clrMapOvr>
-</p:sld>
-</file>
-
-<file path=ppt/slides/slide13.xml><?xml version="1.0" encoding="utf-8"?>
-<p:sld xmlns:a="http://schemas.openxmlformats.org/drawingml/2006/main" xmlns:r="http://schemas.openxmlformats.org/officeDocument/2006/relationships" xmlns:p="http://schemas.openxmlformats.org/presentationml/2006/main">
-  <p:cSld>
-    <p:bg>
-      <p:bgPr>
-        <a:blipFill rotWithShape="1">
-          <a:blip r:embed="rId3"/>
-          <a:stretch>
-            <a:fillRect/>
-          </a:stretch>
-        </a:blipFill>
-        <a:effectLst/>
-      </p:bgPr>
-    </p:bg>
-    <p:spTree>
-      <p:nvGrpSpPr>
-        <p:cNvPr id="1" name=""/>
-        <p:cNvGrpSpPr/>
-        <p:nvPr/>
-      </p:nvGrpSpPr>
-      <p:grpSpPr>
-        <a:xfrm>
-          <a:off x="0" y="0"/>
-          <a:ext cx="0" cy="0"/>
-          <a:chOff x="0" y="0"/>
-          <a:chExt cx="0" cy="0"/>
-        </a:xfrm>
-      </p:grpSpPr>
-      <p:sp>
-        <p:nvSpPr>
           <p:cNvPr id="2" name="文本框 1"/>
           <p:cNvSpPr txBox="1"/>
           <p:nvPr/>
@@ -9634,7 +9187,7 @@
 </p:sld>
 </file>
 
-<file path=ppt/slides/slide14.xml><?xml version="1.0" encoding="utf-8"?>
+<file path=ppt/slides/slide12.xml><?xml version="1.0" encoding="utf-8"?>
 <p:sld xmlns:a="http://schemas.openxmlformats.org/drawingml/2006/main" xmlns:r="http://schemas.openxmlformats.org/officeDocument/2006/relationships" xmlns:p="http://schemas.openxmlformats.org/presentationml/2006/main">
   <p:cSld>
     <p:bg>
@@ -10068,7 +9621,7 @@
 </p:sld>
 </file>
 
-<file path=ppt/slides/slide15.xml><?xml version="1.0" encoding="utf-8"?>
+<file path=ppt/slides/slide13.xml><?xml version="1.0" encoding="utf-8"?>
 <p:sld xmlns:a="http://schemas.openxmlformats.org/drawingml/2006/main" xmlns:r="http://schemas.openxmlformats.org/officeDocument/2006/relationships" xmlns:p="http://schemas.openxmlformats.org/presentationml/2006/main">
   <p:cSld>
     <p:bg>
@@ -13179,61 +12732,34 @@
           </p:txBody>
         </p:sp>
       </p:grpSp>
-      <p:grpSp>
-        <p:nvGrpSpPr>
-          <p:cNvPr id="16" name="组合 15"/>
-          <p:cNvGrpSpPr/>
+      <p:sp>
+        <p:nvSpPr>
+          <p:cNvPr id="18" name="矩形 17"/>
+          <p:cNvSpPr/>
           <p:nvPr/>
-        </p:nvGrpSpPr>
-        <p:grpSpPr>
-          <a:xfrm>
-            <a:off x="496570" y="3907155"/>
-            <a:ext cx="8007404" cy="1201420"/>
-            <a:chOff x="6953" y="858"/>
-            <a:chExt cx="14102" cy="1892"/>
-          </a:xfrm>
-        </p:grpSpPr>
-        <p:sp>
-          <p:nvSpPr>
-            <p:cNvPr id="18" name="矩形 17"/>
-            <p:cNvSpPr/>
-            <p:nvPr/>
-          </p:nvSpPr>
-          <p:spPr>
-            <a:xfrm>
-              <a:off x="15629" y="858"/>
-              <a:ext cx="5426" cy="630"/>
-            </a:xfrm>
-            <a:prstGeom prst="rect">
-              <a:avLst/>
-            </a:prstGeom>
-          </p:spPr>
-          <p:txBody>
-            <a:bodyPr wrap="square">
-              <a:spAutoFit/>
-            </a:bodyPr>
-            <a:lstStyle/>
-            <a:p>
-              <a:pPr algn="l">
-                <a:lnSpc>
-                  <a:spcPct val="100000"/>
-                </a:lnSpc>
-              </a:pPr>
-              <a:r>
-                <a:rPr lang="pt-BR" altLang="zh-CN" sz="2000" kern="2500" dirty="0">
-                  <a:solidFill>
-                    <a:schemeClr val="tx1">
-                      <a:lumMod val="95000"/>
-                      <a:lumOff val="5000"/>
-                    </a:schemeClr>
-                  </a:solidFill>
-                  <a:latin typeface="思源黑体 CN Light" panose="020B0300000000000000" charset="-122"/>
-                  <a:ea typeface="思源黑体 CN Light" panose="020B0300000000000000" charset="-122"/>
-                  <a:cs typeface="庞门正道标题体" panose="02010600030101010101" charset="-122"/>
-                </a:rPr>
-                <a:t>Diagrama técnico</a:t>
-              </a:r>
-              <a:endParaRPr lang="zh-CN" sz="2000" kern="2500" dirty="0">
+        </p:nvSpPr>
+        <p:spPr>
+          <a:xfrm>
+            <a:off x="5339575" y="2435860"/>
+            <a:ext cx="3080994" cy="400050"/>
+          </a:xfrm>
+          <a:prstGeom prst="rect">
+            <a:avLst/>
+          </a:prstGeom>
+        </p:spPr>
+        <p:txBody>
+          <a:bodyPr wrap="square">
+            <a:spAutoFit/>
+          </a:bodyPr>
+          <a:lstStyle/>
+          <a:p>
+            <a:pPr algn="l">
+              <a:lnSpc>
+                <a:spcPct val="100000"/>
+              </a:lnSpc>
+            </a:pPr>
+            <a:r>
+              <a:rPr lang="pt-BR" altLang="zh-CN" sz="2000" kern="2500" dirty="0">
                 <a:solidFill>
                   <a:schemeClr val="tx1">
                     <a:lumMod val="95000"/>
@@ -13243,58 +12769,23 @@
                 <a:latin typeface="思源黑体 CN Light" panose="020B0300000000000000" charset="-122"/>
                 <a:ea typeface="思源黑体 CN Light" panose="020B0300000000000000" charset="-122"/>
                 <a:cs typeface="庞门正道标题体" panose="02010600030101010101" charset="-122"/>
-              </a:endParaRPr>
-            </a:p>
-          </p:txBody>
-        </p:sp>
-        <p:sp>
-          <p:nvSpPr>
-            <p:cNvPr id="30" name="矩形 29"/>
-            <p:cNvSpPr/>
-            <p:nvPr/>
-          </p:nvSpPr>
-          <p:spPr>
-            <a:xfrm>
-              <a:off x="6953" y="1829"/>
-              <a:ext cx="1214" cy="921"/>
-            </a:xfrm>
-            <a:prstGeom prst="rect">
-              <a:avLst/>
-            </a:prstGeom>
-          </p:spPr>
-          <p:txBody>
-            <a:bodyPr wrap="square">
-              <a:spAutoFit/>
-            </a:bodyPr>
-            <a:lstStyle/>
-            <a:p>
-              <a:pPr algn="dist">
-                <a:lnSpc>
-                  <a:spcPct val="100000"/>
-                </a:lnSpc>
-                <a:buClrTx/>
-                <a:buSzTx/>
-                <a:buFontTx/>
-              </a:pPr>
-              <a:r>
-                <a:rPr lang="en-US" altLang="zh-CN" sz="3200" kern="2500" dirty="0">
-                  <a:solidFill>
-                    <a:schemeClr val="tx1">
-                      <a:lumMod val="95000"/>
-                      <a:lumOff val="5000"/>
-                    </a:schemeClr>
-                  </a:solidFill>
-                  <a:effectLst/>
-                  <a:latin typeface="思源黑体 CN Bold" panose="020B0800000000000000" charset="-122"/>
-                  <a:ea typeface="思源黑体 CN Bold" panose="020B0800000000000000" charset="-122"/>
-                  <a:cs typeface="庞门正道标题体" panose="02010600030101010101" charset="-122"/>
-                </a:rPr>
-                <a:t>04</a:t>
-              </a:r>
-            </a:p>
-          </p:txBody>
-        </p:sp>
-      </p:grpSp>
+              </a:rPr>
+              <a:t>Diagrama técnico</a:t>
+            </a:r>
+            <a:endParaRPr lang="zh-CN" sz="2000" kern="2500" dirty="0">
+              <a:solidFill>
+                <a:schemeClr val="tx1">
+                  <a:lumMod val="95000"/>
+                  <a:lumOff val="5000"/>
+                </a:schemeClr>
+              </a:solidFill>
+              <a:latin typeface="思源黑体 CN Light" panose="020B0300000000000000" charset="-122"/>
+              <a:ea typeface="思源黑体 CN Light" panose="020B0300000000000000" charset="-122"/>
+              <a:cs typeface="庞门正道标题体" panose="02010600030101010101" charset="-122"/>
+            </a:endParaRPr>
+          </a:p>
+        </p:txBody>
+      </p:sp>
       <p:grpSp>
         <p:nvGrpSpPr>
           <p:cNvPr id="31" name="组合 30"/>
@@ -13347,7 +12838,21 @@
                   <a:ea typeface="思源黑体 CN Light" panose="020B0300000000000000" charset="-122"/>
                   <a:cs typeface="庞门正道标题体" panose="02010600030101010101" charset="-122"/>
                 </a:rPr>
-                <a:t>Contexto</a:t>
+                <a:t>Contexto/ </a:t>
+              </a:r>
+              <a:r>
+                <a:rPr lang="pt-BR" altLang="zh-CN" sz="2000" kern="2500" dirty="0" err="1">
+                  <a:solidFill>
+                    <a:schemeClr val="tx1">
+                      <a:lumMod val="95000"/>
+                      <a:lumOff val="5000"/>
+                    </a:schemeClr>
+                  </a:solidFill>
+                  <a:latin typeface="思源黑体 CN Light" panose="020B0300000000000000" charset="-122"/>
+                  <a:ea typeface="思源黑体 CN Light" panose="020B0300000000000000" charset="-122"/>
+                  <a:cs typeface="庞门正道标题体" panose="02010600030101010101" charset="-122"/>
+                </a:rPr>
+                <a:t>proto</a:t>
               </a:r>
               <a:r>
                 <a:rPr lang="zh-CN" sz="2000" kern="2500" dirty="0">
@@ -13414,61 +12919,34 @@
           </p:txBody>
         </p:sp>
       </p:grpSp>
-      <p:grpSp>
-        <p:nvGrpSpPr>
-          <p:cNvPr id="35" name="组合 34"/>
-          <p:cNvGrpSpPr/>
+      <p:sp>
+        <p:nvSpPr>
+          <p:cNvPr id="36" name="矩形 35"/>
+          <p:cNvSpPr/>
           <p:nvPr/>
-        </p:nvGrpSpPr>
-        <p:grpSpPr>
-          <a:xfrm>
-            <a:off x="4735328" y="2357754"/>
-            <a:ext cx="7320915" cy="1259205"/>
-            <a:chOff x="6953" y="1829"/>
-            <a:chExt cx="11529" cy="1983"/>
-          </a:xfrm>
-        </p:grpSpPr>
-        <p:sp>
-          <p:nvSpPr>
-            <p:cNvPr id="36" name="矩形 35"/>
-            <p:cNvSpPr/>
-            <p:nvPr/>
-          </p:nvSpPr>
-          <p:spPr>
-            <a:xfrm>
-              <a:off x="14358" y="3182"/>
-              <a:ext cx="4124" cy="630"/>
-            </a:xfrm>
-            <a:prstGeom prst="rect">
-              <a:avLst/>
-            </a:prstGeom>
-          </p:spPr>
-          <p:txBody>
-            <a:bodyPr wrap="square">
-              <a:spAutoFit/>
-            </a:bodyPr>
-            <a:lstStyle/>
-            <a:p>
-              <a:pPr algn="l">
-                <a:lnSpc>
-                  <a:spcPct val="100000"/>
-                </a:lnSpc>
-              </a:pPr>
-              <a:r>
-                <a:rPr lang="pt-BR" altLang="zh-CN" sz="2000" kern="2500" dirty="0">
-                  <a:solidFill>
-                    <a:schemeClr val="tx1">
-                      <a:lumMod val="95000"/>
-                      <a:lumOff val="5000"/>
-                    </a:schemeClr>
-                  </a:solidFill>
-                  <a:latin typeface="思源黑体 CN Light" panose="020B0300000000000000" charset="-122"/>
-                  <a:ea typeface="思源黑体 CN Light" panose="020B0300000000000000" charset="-122"/>
-                  <a:cs typeface="庞门正道标题体" panose="02010600030101010101" charset="-122"/>
-                </a:rPr>
-                <a:t>Conclusão</a:t>
-              </a:r>
-              <a:endParaRPr lang="zh-CN" sz="2000" kern="2500" dirty="0">
+        </p:nvSpPr>
+        <p:spPr>
+          <a:xfrm>
+            <a:off x="5311930" y="4724652"/>
+            <a:ext cx="2618740" cy="400050"/>
+          </a:xfrm>
+          <a:prstGeom prst="rect">
+            <a:avLst/>
+          </a:prstGeom>
+        </p:spPr>
+        <p:txBody>
+          <a:bodyPr wrap="square">
+            <a:spAutoFit/>
+          </a:bodyPr>
+          <a:lstStyle/>
+          <a:p>
+            <a:pPr algn="l">
+              <a:lnSpc>
+                <a:spcPct val="100000"/>
+              </a:lnSpc>
+            </a:pPr>
+            <a:r>
+              <a:rPr lang="pt-BR" altLang="zh-CN" sz="2000" kern="2500" dirty="0">
                 <a:solidFill>
                   <a:schemeClr val="tx1">
                     <a:lumMod val="95000"/>
@@ -13478,58 +12956,23 @@
                 <a:latin typeface="思源黑体 CN Light" panose="020B0300000000000000" charset="-122"/>
                 <a:ea typeface="思源黑体 CN Light" panose="020B0300000000000000" charset="-122"/>
                 <a:cs typeface="庞门正道标题体" panose="02010600030101010101" charset="-122"/>
-              </a:endParaRPr>
-            </a:p>
-          </p:txBody>
-        </p:sp>
-        <p:sp>
-          <p:nvSpPr>
-            <p:cNvPr id="38" name="矩形 37"/>
-            <p:cNvSpPr/>
-            <p:nvPr/>
-          </p:nvSpPr>
-          <p:spPr>
-            <a:xfrm>
-              <a:off x="6953" y="1829"/>
-              <a:ext cx="1086" cy="921"/>
-            </a:xfrm>
-            <a:prstGeom prst="rect">
-              <a:avLst/>
-            </a:prstGeom>
-          </p:spPr>
-          <p:txBody>
-            <a:bodyPr wrap="square">
-              <a:spAutoFit/>
-            </a:bodyPr>
-            <a:lstStyle/>
-            <a:p>
-              <a:pPr algn="dist">
-                <a:lnSpc>
-                  <a:spcPct val="100000"/>
-                </a:lnSpc>
-                <a:buClrTx/>
-                <a:buSzTx/>
-                <a:buFontTx/>
-              </a:pPr>
-              <a:r>
-                <a:rPr lang="en-US" altLang="zh-CN" sz="3200" kern="2500" dirty="0">
-                  <a:solidFill>
-                    <a:schemeClr val="tx1">
-                      <a:lumMod val="95000"/>
-                      <a:lumOff val="5000"/>
-                    </a:schemeClr>
-                  </a:solidFill>
-                  <a:effectLst/>
-                  <a:latin typeface="思源黑体 CN Bold" panose="020B0800000000000000" charset="-122"/>
-                  <a:ea typeface="思源黑体 CN Bold" panose="020B0800000000000000" charset="-122"/>
-                  <a:cs typeface="庞门正道标题体" panose="02010600030101010101" charset="-122"/>
-                </a:rPr>
-                <a:t>05</a:t>
-              </a:r>
-            </a:p>
-          </p:txBody>
-        </p:sp>
-      </p:grpSp>
+              </a:rPr>
+              <a:t>Conclusão</a:t>
+            </a:r>
+            <a:endParaRPr lang="zh-CN" sz="2000" kern="2500" dirty="0">
+              <a:solidFill>
+                <a:schemeClr val="tx1">
+                  <a:lumMod val="95000"/>
+                  <a:lumOff val="5000"/>
+                </a:schemeClr>
+              </a:solidFill>
+              <a:latin typeface="思源黑体 CN Light" panose="020B0300000000000000" charset="-122"/>
+              <a:ea typeface="思源黑体 CN Light" panose="020B0300000000000000" charset="-122"/>
+              <a:cs typeface="庞门正道标题体" panose="02010600030101010101" charset="-122"/>
+            </a:endParaRPr>
+          </a:p>
+        </p:txBody>
+      </p:sp>
       <p:grpSp>
         <p:nvGrpSpPr>
           <p:cNvPr id="39" name="组合 38"/>
@@ -13538,10 +12981,10 @@
         </p:nvGrpSpPr>
         <p:grpSpPr>
           <a:xfrm>
-            <a:off x="496570" y="3865801"/>
-            <a:ext cx="7899483" cy="1155065"/>
-            <a:chOff x="6953" y="1829"/>
-            <a:chExt cx="13701" cy="1819"/>
+            <a:off x="496570" y="3225721"/>
+            <a:ext cx="7786477" cy="1224915"/>
+            <a:chOff x="6953" y="821"/>
+            <a:chExt cx="13505" cy="1929"/>
           </a:xfrm>
         </p:grpSpPr>
         <p:sp>
@@ -13552,7 +12995,7 @@
           </p:nvSpPr>
           <p:spPr>
             <a:xfrm>
-              <a:off x="15501" y="3018"/>
+              <a:off x="15305" y="821"/>
               <a:ext cx="5153" cy="630"/>
             </a:xfrm>
             <a:prstGeom prst="rect">
@@ -13654,10 +13097,10 @@
         </p:nvGrpSpPr>
         <p:grpSpPr>
           <a:xfrm>
-            <a:off x="4735595" y="3134265"/>
-            <a:ext cx="7320915" cy="1217930"/>
-            <a:chOff x="5846" y="1824"/>
-            <a:chExt cx="11529" cy="1918"/>
+            <a:off x="496570" y="2435765"/>
+            <a:ext cx="11472545" cy="2781300"/>
+            <a:chOff x="-830" y="724"/>
+            <a:chExt cx="18067" cy="4380"/>
           </a:xfrm>
         </p:grpSpPr>
         <p:sp>
@@ -13668,7 +13111,7 @@
           </p:nvSpPr>
           <p:spPr>
             <a:xfrm>
-              <a:off x="13251" y="3112"/>
+              <a:off x="13113" y="724"/>
               <a:ext cx="4124" cy="630"/>
             </a:xfrm>
             <a:prstGeom prst="rect">
@@ -13722,7 +13165,7 @@
           </p:nvSpPr>
           <p:spPr>
             <a:xfrm>
-              <a:off x="5846" y="1824"/>
+              <a:off x="-830" y="4183"/>
               <a:ext cx="1086" cy="921"/>
             </a:xfrm>
             <a:prstGeom prst="rect">
@@ -13756,7 +13199,7 @@
                   <a:ea typeface="思源黑体 CN Bold" panose="020B0800000000000000" charset="-122"/>
                   <a:cs typeface="庞门正道标题体" panose="02010600030101010101" charset="-122"/>
                 </a:rPr>
-                <a:t>06</a:t>
+                <a:t>04</a:t>
               </a:r>
             </a:p>
           </p:txBody>
@@ -13812,7 +13255,7 @@
         </p:nvSpPr>
         <p:spPr>
           <a:xfrm>
-            <a:off x="9437503" y="2445415"/>
+            <a:off x="5311930" y="4019689"/>
             <a:ext cx="2618740" cy="400110"/>
           </a:xfrm>
           <a:prstGeom prst="rect">
@@ -13920,10 +13363,10 @@
       </p:sp>
       <p:sp>
         <p:nvSpPr>
-          <p:cNvPr id="25" name="矩形 39">
+          <p:cNvPr id="26" name="矩形 39">
             <a:extLst>
               <a:ext uri="{FF2B5EF4-FFF2-40B4-BE49-F238E27FC236}">
-                <a16:creationId xmlns:a16="http://schemas.microsoft.com/office/drawing/2014/main" id="{DE7569D3-5F1E-4E7B-B676-18E78673BF14}"/>
+                <a16:creationId xmlns:a16="http://schemas.microsoft.com/office/drawing/2014/main" id="{B6711218-F4BA-4F5B-913D-513ABE40A15A}"/>
               </a:ext>
             </a:extLst>
           </p:cNvPr>
@@ -13932,8 +13375,8 @@
         </p:nvSpPr>
         <p:spPr>
           <a:xfrm>
-            <a:off x="5342673" y="2458460"/>
-            <a:ext cx="2364562" cy="400110"/>
+            <a:off x="1361991" y="4724592"/>
+            <a:ext cx="1855930" cy="400110"/>
           </a:xfrm>
           <a:prstGeom prst="rect">
             <a:avLst/>
@@ -13951,7 +13394,7 @@
               </a:lnSpc>
             </a:pPr>
             <a:r>
-              <a:rPr lang="pt-BR" altLang="zh-CN" sz="2000" kern="2500" dirty="0" err="1">
+              <a:rPr lang="pt-BR" altLang="zh-CN" sz="2000" kern="2500" dirty="0">
                 <a:solidFill>
                   <a:schemeClr val="tx1">
                     <a:lumMod val="95000"/>
@@ -13962,21 +13405,7 @@
                 <a:ea typeface="思源黑体 CN Light" panose="020B0300000000000000" charset="-122"/>
                 <a:cs typeface="庞门正道标题体" panose="02010600030101010101" charset="-122"/>
               </a:rPr>
-              <a:t>Prodoct</a:t>
-            </a:r>
-            <a:r>
-              <a:rPr lang="pt-BR" altLang="zh-CN" sz="2000" kern="2500" dirty="0">
-                <a:solidFill>
-                  <a:schemeClr val="tx1">
-                    <a:lumMod val="95000"/>
-                    <a:lumOff val="5000"/>
-                  </a:schemeClr>
-                </a:solidFill>
-                <a:latin typeface="思源黑体 CN Light" panose="020B0300000000000000" charset="-122"/>
-                <a:ea typeface="思源黑体 CN Light" panose="020B0300000000000000" charset="-122"/>
-                <a:cs typeface="庞门正道标题体" panose="02010600030101010101" charset="-122"/>
-              </a:rPr>
-              <a:t> Backlog</a:t>
+              <a:t>Metodologia</a:t>
             </a:r>
             <a:endParaRPr lang="zh-CN" sz="2000" kern="2500" dirty="0">
               <a:solidFill>
@@ -13994,66 +13423,6 @@
       </p:sp>
       <p:sp>
         <p:nvSpPr>
-          <p:cNvPr id="26" name="矩形 39">
-            <a:extLst>
-              <a:ext uri="{FF2B5EF4-FFF2-40B4-BE49-F238E27FC236}">
-                <a16:creationId xmlns:a16="http://schemas.microsoft.com/office/drawing/2014/main" id="{B6711218-F4BA-4F5B-913D-513ABE40A15A}"/>
-              </a:ext>
-            </a:extLst>
-          </p:cNvPr>
-          <p:cNvSpPr/>
-          <p:nvPr/>
-        </p:nvSpPr>
-        <p:spPr>
-          <a:xfrm>
-            <a:off x="5422980" y="3231164"/>
-            <a:ext cx="1855930" cy="400110"/>
-          </a:xfrm>
-          <a:prstGeom prst="rect">
-            <a:avLst/>
-          </a:prstGeom>
-        </p:spPr>
-        <p:txBody>
-          <a:bodyPr wrap="square">
-            <a:spAutoFit/>
-          </a:bodyPr>
-          <a:lstStyle/>
-          <a:p>
-            <a:pPr algn="l">
-              <a:lnSpc>
-                <a:spcPct val="100000"/>
-              </a:lnSpc>
-            </a:pPr>
-            <a:r>
-              <a:rPr lang="pt-BR" altLang="zh-CN" sz="2000" kern="2500" dirty="0">
-                <a:solidFill>
-                  <a:schemeClr val="tx1">
-                    <a:lumMod val="95000"/>
-                    <a:lumOff val="5000"/>
-                  </a:schemeClr>
-                </a:solidFill>
-                <a:latin typeface="思源黑体 CN Light" panose="020B0300000000000000" charset="-122"/>
-                <a:ea typeface="思源黑体 CN Light" panose="020B0300000000000000" charset="-122"/>
-                <a:cs typeface="庞门正道标题体" panose="02010600030101010101" charset="-122"/>
-              </a:rPr>
-              <a:t>Metodologia</a:t>
-            </a:r>
-            <a:endParaRPr lang="zh-CN" sz="2000" kern="2500" dirty="0">
-              <a:solidFill>
-                <a:schemeClr val="tx1">
-                  <a:lumMod val="95000"/>
-                  <a:lumOff val="5000"/>
-                </a:schemeClr>
-              </a:solidFill>
-              <a:latin typeface="思源黑体 CN Light" panose="020B0300000000000000" charset="-122"/>
-              <a:ea typeface="思源黑体 CN Light" panose="020B0300000000000000" charset="-122"/>
-              <a:cs typeface="庞门正道标题体" panose="02010600030101010101" charset="-122"/>
-            </a:endParaRPr>
-          </a:p>
-        </p:txBody>
-      </p:sp>
-      <p:sp>
-        <p:nvSpPr>
           <p:cNvPr id="27" name="矩形 45">
             <a:extLst>
               <a:ext uri="{FF2B5EF4-FFF2-40B4-BE49-F238E27FC236}">
@@ -14066,7 +13435,7 @@
         </p:nvSpPr>
         <p:spPr>
           <a:xfrm>
-            <a:off x="4735328" y="3865801"/>
+            <a:off x="4622320" y="2368218"/>
             <a:ext cx="689610" cy="584835"/>
           </a:xfrm>
           <a:prstGeom prst="rect">
@@ -14100,7 +13469,7 @@
                 <a:ea typeface="思源黑体 CN Bold" panose="020B0800000000000000" charset="-122"/>
                 <a:cs typeface="庞门正道标题体" panose="02010600030101010101" charset="-122"/>
               </a:rPr>
-              <a:t>07</a:t>
+              <a:t>05</a:t>
             </a:r>
           </a:p>
         </p:txBody>
@@ -14119,7 +13488,7 @@
         </p:nvSpPr>
         <p:spPr>
           <a:xfrm>
-            <a:off x="4735328" y="4523740"/>
+            <a:off x="4649965" y="3128801"/>
             <a:ext cx="689610" cy="584835"/>
           </a:xfrm>
           <a:prstGeom prst="rect">
@@ -14153,7 +13522,7 @@
                 <a:ea typeface="思源黑体 CN Bold" panose="020B0800000000000000" charset="-122"/>
                 <a:cs typeface="庞门正道标题体" panose="02010600030101010101" charset="-122"/>
               </a:rPr>
-              <a:t>08</a:t>
+              <a:t>06</a:t>
             </a:r>
           </a:p>
         </p:txBody>
@@ -14172,7 +13541,7 @@
         </p:nvSpPr>
         <p:spPr>
           <a:xfrm>
-            <a:off x="8748171" y="2357754"/>
+            <a:off x="4649965" y="3859960"/>
             <a:ext cx="689610" cy="584835"/>
           </a:xfrm>
           <a:prstGeom prst="rect">
@@ -14206,7 +13575,7 @@
                 <a:ea typeface="思源黑体 CN Bold" panose="020B0800000000000000" charset="-122"/>
                 <a:cs typeface="庞门正道标题体" panose="02010600030101010101" charset="-122"/>
               </a:rPr>
-              <a:t>09</a:t>
+              <a:t>07</a:t>
             </a:r>
           </a:p>
         </p:txBody>
@@ -14225,7 +13594,7 @@
         </p:nvSpPr>
         <p:spPr>
           <a:xfrm>
-            <a:off x="8747893" y="3128801"/>
+            <a:off x="4649965" y="4632230"/>
             <a:ext cx="689610" cy="584835"/>
           </a:xfrm>
           <a:prstGeom prst="rect">
@@ -14254,84 +13623,13 @@
                     <a:lumOff val="5000"/>
                   </a:schemeClr>
                 </a:solidFill>
+                <a:effectLst/>
                 <a:latin typeface="思源黑体 CN Bold" panose="020B0800000000000000" charset="-122"/>
                 <a:ea typeface="思源黑体 CN Bold" panose="020B0800000000000000" charset="-122"/>
                 <a:cs typeface="庞门正道标题体" panose="02010600030101010101" charset="-122"/>
               </a:rPr>
-              <a:t>10</a:t>
-            </a:r>
-            <a:endParaRPr lang="en-US" altLang="zh-CN" sz="3200" kern="2500" dirty="0">
-              <a:solidFill>
-                <a:schemeClr val="tx1">
-                  <a:lumMod val="95000"/>
-                  <a:lumOff val="5000"/>
-                </a:schemeClr>
-              </a:solidFill>
-              <a:effectLst/>
-              <a:latin typeface="思源黑体 CN Bold" panose="020B0800000000000000" charset="-122"/>
-              <a:ea typeface="思源黑体 CN Bold" panose="020B0800000000000000" charset="-122"/>
-              <a:cs typeface="庞门正道标题体" panose="02010600030101010101" charset="-122"/>
-            </a:endParaRPr>
-          </a:p>
-        </p:txBody>
-      </p:sp>
-      <p:sp>
-        <p:nvSpPr>
-          <p:cNvPr id="37" name="矩形 39">
-            <a:extLst>
-              <a:ext uri="{FF2B5EF4-FFF2-40B4-BE49-F238E27FC236}">
-                <a16:creationId xmlns:a16="http://schemas.microsoft.com/office/drawing/2014/main" id="{8E1AE625-FDBB-401A-A5B6-E3E814C86A97}"/>
-              </a:ext>
-            </a:extLst>
-          </p:cNvPr>
-          <p:cNvSpPr/>
-          <p:nvPr/>
-        </p:nvSpPr>
-        <p:spPr>
-          <a:xfrm>
-            <a:off x="1361991" y="4612265"/>
-            <a:ext cx="2140864" cy="400110"/>
-          </a:xfrm>
-          <a:prstGeom prst="rect">
-            <a:avLst/>
-          </a:prstGeom>
-        </p:spPr>
-        <p:txBody>
-          <a:bodyPr wrap="square">
-            <a:spAutoFit/>
-          </a:bodyPr>
-          <a:lstStyle/>
-          <a:p>
-            <a:pPr algn="l">
-              <a:lnSpc>
-                <a:spcPct val="100000"/>
-              </a:lnSpc>
-            </a:pPr>
-            <a:r>
-              <a:rPr lang="pt-BR" altLang="zh-CN" sz="2000" kern="2500" dirty="0" err="1">
-                <a:solidFill>
-                  <a:schemeClr val="tx1">
-                    <a:lumMod val="95000"/>
-                    <a:lumOff val="5000"/>
-                  </a:schemeClr>
-                </a:solidFill>
-                <a:latin typeface="思源黑体 CN Light" panose="020B0300000000000000" charset="-122"/>
-                <a:ea typeface="思源黑体 CN Light" panose="020B0300000000000000" charset="-122"/>
-                <a:cs typeface="庞门正道标题体" panose="02010600030101010101" charset="-122"/>
-              </a:rPr>
-              <a:t>Proto-Persona</a:t>
-            </a:r>
-            <a:endParaRPr lang="zh-CN" sz="2000" kern="2500" dirty="0">
-              <a:solidFill>
-                <a:schemeClr val="tx1">
-                  <a:lumMod val="95000"/>
-                  <a:lumOff val="5000"/>
-                </a:schemeClr>
-              </a:solidFill>
-              <a:latin typeface="思源黑体 CN Light" panose="020B0300000000000000" charset="-122"/>
-              <a:ea typeface="思源黑体 CN Light" panose="020B0300000000000000" charset="-122"/>
-              <a:cs typeface="庞门正道标题体" panose="02010600030101010101" charset="-122"/>
-            </a:endParaRPr>
+              <a:t>08</a:t>
+            </a:r>
           </a:p>
         </p:txBody>
       </p:sp>
@@ -14349,7 +13647,7 @@
         </p:nvSpPr>
         <p:spPr>
           <a:xfrm>
-            <a:off x="8747893" y="3859960"/>
+            <a:off x="8660530" y="2367915"/>
             <a:ext cx="689610" cy="584835"/>
           </a:xfrm>
           <a:prstGeom prst="rect">
@@ -14378,24 +13676,13 @@
                     <a:lumOff val="5000"/>
                   </a:schemeClr>
                 </a:solidFill>
+                <a:effectLst/>
                 <a:latin typeface="思源黑体 CN Bold" panose="020B0800000000000000" charset="-122"/>
                 <a:ea typeface="思源黑体 CN Bold" panose="020B0800000000000000" charset="-122"/>
                 <a:cs typeface="庞门正道标题体" panose="02010600030101010101" charset="-122"/>
               </a:rPr>
-              <a:t>11</a:t>
-            </a:r>
-            <a:endParaRPr lang="en-US" altLang="zh-CN" sz="3200" kern="2500" dirty="0">
-              <a:solidFill>
-                <a:schemeClr val="tx1">
-                  <a:lumMod val="95000"/>
-                  <a:lumOff val="5000"/>
-                </a:schemeClr>
-              </a:solidFill>
-              <a:effectLst/>
-              <a:latin typeface="思源黑体 CN Bold" panose="020B0800000000000000" charset="-122"/>
-              <a:ea typeface="思源黑体 CN Bold" panose="020B0800000000000000" charset="-122"/>
-              <a:cs typeface="庞门正道标题体" panose="02010600030101010101" charset="-122"/>
-            </a:endParaRPr>
+              <a:t>09</a:t>
+            </a:r>
           </a:p>
         </p:txBody>
       </p:sp>
@@ -14634,7 +13921,7 @@
         </p:nvSpPr>
         <p:spPr>
           <a:xfrm>
-            <a:off x="760885" y="206693"/>
+            <a:off x="760885" y="94152"/>
             <a:ext cx="9994900" cy="1663382"/>
           </a:xfrm>
           <a:prstGeom prst="rect">
@@ -15069,8 +14356,8 @@
         </p:nvSpPr>
         <p:spPr>
           <a:xfrm>
-            <a:off x="883571" y="578545"/>
-            <a:ext cx="1899285" cy="1169551"/>
+            <a:off x="4779665" y="571900"/>
+            <a:ext cx="4766870" cy="707886"/>
           </a:xfrm>
           <a:prstGeom prst="rect">
             <a:avLst/>
@@ -15089,7 +14376,7 @@
               </a:lnSpc>
             </a:pPr>
             <a:r>
-              <a:rPr lang="pt-BR" sz="1400" spc="-1" dirty="0">
+              <a:rPr lang="pt-BR" sz="2000" spc="-1" dirty="0">
                 <a:solidFill>
                   <a:schemeClr val="tx1">
                     <a:lumMod val="95000"/>
@@ -15101,7 +14388,7 @@
               </a:rPr>
               <a:t>Somos uma empresa de tecnologia com ênfase em monitoramento de máquinas. </a:t>
             </a:r>
-            <a:endParaRPr lang="pt-BR" sz="1400" spc="-1" dirty="0">
+            <a:endParaRPr lang="pt-BR" sz="2000" spc="-1" dirty="0">
               <a:solidFill>
                 <a:schemeClr val="tx1">
                   <a:lumMod val="95000"/>
@@ -15127,7 +14414,7 @@
         </p:nvSpPr>
         <p:spPr>
           <a:xfrm>
-            <a:off x="804333" y="217741"/>
+            <a:off x="1278720" y="489625"/>
             <a:ext cx="2174400" cy="590760"/>
           </a:xfrm>
           <a:prstGeom prst="rect">
@@ -15162,7 +14449,7 @@
               </a:lnSpc>
             </a:pPr>
             <a:r>
-              <a:rPr lang="pt-BR" sz="2000" b="1" strike="noStrike" spc="-1" dirty="0">
+              <a:rPr lang="pt-BR" sz="3200" b="1" strike="noStrike" spc="-1" dirty="0">
                 <a:solidFill>
                   <a:schemeClr val="tx1">
                     <a:lumMod val="95000"/>
@@ -15174,609 +14461,7 @@
               </a:rPr>
               <a:t>Sobre nós</a:t>
             </a:r>
-            <a:endParaRPr lang="pt-BR" sz="2000" b="0" strike="noStrike" spc="-1" dirty="0">
-              <a:solidFill>
-                <a:schemeClr val="tx1">
-                  <a:lumMod val="95000"/>
-                  <a:lumOff val="5000"/>
-                </a:schemeClr>
-              </a:solidFill>
-              <a:latin typeface="Arial"/>
-            </a:endParaRPr>
-          </a:p>
-        </p:txBody>
-      </p:sp>
-      <p:sp>
-        <p:nvSpPr>
-          <p:cNvPr id="30" name="CustomShape 17">
-            <a:extLst>
-              <a:ext uri="{FF2B5EF4-FFF2-40B4-BE49-F238E27FC236}">
-                <a16:creationId xmlns:a16="http://schemas.microsoft.com/office/drawing/2014/main" id="{5DB6D2F4-DF78-4162-9426-74C6AA758256}"/>
-              </a:ext>
-            </a:extLst>
-          </p:cNvPr>
-          <p:cNvSpPr/>
-          <p:nvPr/>
-        </p:nvSpPr>
-        <p:spPr>
-          <a:xfrm>
-            <a:off x="3256695" y="578545"/>
-            <a:ext cx="2501640" cy="1087626"/>
-          </a:xfrm>
-          <a:prstGeom prst="rect">
-            <a:avLst/>
-          </a:prstGeom>
-          <a:noFill/>
-          <a:ln>
-            <a:noFill/>
-          </a:ln>
-        </p:spPr>
-        <p:style>
-          <a:lnRef idx="0">
-            <a:scrgbClr r="0" g="0" b="0"/>
-          </a:lnRef>
-          <a:fillRef idx="0">
-            <a:scrgbClr r="0" g="0" b="0"/>
-          </a:fillRef>
-          <a:effectRef idx="0">
-            <a:scrgbClr r="0" g="0" b="0"/>
-          </a:effectRef>
-          <a:fontRef idx="minor"/>
-        </p:style>
-        <p:txBody>
-          <a:bodyPr lIns="90000" tIns="91440" rIns="90000" bIns="91440">
-            <a:noAutofit/>
-          </a:bodyPr>
-          <a:lstStyle/>
-          <a:p>
-            <a:pPr algn="ctr">
-              <a:lnSpc>
-                <a:spcPct val="100000"/>
-              </a:lnSpc>
-            </a:pPr>
-            <a:r>
-              <a:rPr lang="pt-BR" sz="1400" b="0" strike="noStrike" spc="-1" dirty="0">
-                <a:solidFill>
-                  <a:schemeClr val="tx1">
-                    <a:lumMod val="95000"/>
-                    <a:lumOff val="5000"/>
-                  </a:schemeClr>
-                </a:solidFill>
-                <a:latin typeface="Barlow Semi Condensed"/>
-                <a:ea typeface="Barlow Semi Condensed"/>
-              </a:rPr>
-              <a:t>Otimização dos atendimentos, menos paralizações dos softwares no meio do expediente </a:t>
-            </a:r>
-            <a:endParaRPr lang="pt-BR" sz="1400" b="0" strike="noStrike" spc="-1" dirty="0">
-              <a:solidFill>
-                <a:schemeClr val="tx1">
-                  <a:lumMod val="95000"/>
-                  <a:lumOff val="5000"/>
-                </a:schemeClr>
-              </a:solidFill>
-              <a:latin typeface="Arial"/>
-            </a:endParaRPr>
-          </a:p>
-          <a:p>
-            <a:pPr algn="ctr">
-              <a:lnSpc>
-                <a:spcPct val="100000"/>
-              </a:lnSpc>
-            </a:pPr>
-            <a:endParaRPr lang="pt-BR" sz="1400" b="0" strike="noStrike" spc="-1" dirty="0">
-              <a:solidFill>
-                <a:schemeClr val="tx1">
-                  <a:lumMod val="95000"/>
-                  <a:lumOff val="5000"/>
-                </a:schemeClr>
-              </a:solidFill>
-              <a:latin typeface="Arial"/>
-            </a:endParaRPr>
-          </a:p>
-        </p:txBody>
-      </p:sp>
-      <p:sp>
-        <p:nvSpPr>
-          <p:cNvPr id="31" name="CustomShape 16">
-            <a:extLst>
-              <a:ext uri="{FF2B5EF4-FFF2-40B4-BE49-F238E27FC236}">
-                <a16:creationId xmlns:a16="http://schemas.microsoft.com/office/drawing/2014/main" id="{FC3223BE-71C8-438F-8CFB-C85CC50AB6F4}"/>
-              </a:ext>
-            </a:extLst>
-          </p:cNvPr>
-          <p:cNvSpPr/>
-          <p:nvPr/>
-        </p:nvSpPr>
-        <p:spPr>
-          <a:xfrm>
-            <a:off x="4081497" y="315264"/>
-            <a:ext cx="1954800" cy="259391"/>
-          </a:xfrm>
-          <a:prstGeom prst="rect">
-            <a:avLst/>
-          </a:prstGeom>
-          <a:noFill/>
-          <a:ln>
-            <a:noFill/>
-          </a:ln>
-        </p:spPr>
-        <p:style>
-          <a:lnRef idx="0">
-            <a:scrgbClr r="0" g="0" b="0"/>
-          </a:lnRef>
-          <a:fillRef idx="0">
-            <a:scrgbClr r="0" g="0" b="0"/>
-          </a:fillRef>
-          <a:effectRef idx="0">
-            <a:scrgbClr r="0" g="0" b="0"/>
-          </a:effectRef>
-          <a:fontRef idx="minor"/>
-        </p:style>
-        <p:txBody>
-          <a:bodyPr lIns="90000" tIns="45000" rIns="90000" bIns="45000">
-            <a:noAutofit/>
-          </a:bodyPr>
-          <a:lstStyle/>
-          <a:p>
-            <a:pPr>
-              <a:lnSpc>
-                <a:spcPct val="90000"/>
-              </a:lnSpc>
-            </a:pPr>
-            <a:r>
-              <a:rPr lang="pt-BR" sz="1800" b="1" strike="noStrike" spc="-1" dirty="0">
-                <a:solidFill>
-                  <a:schemeClr val="tx1">
-                    <a:lumMod val="95000"/>
-                    <a:lumOff val="5000"/>
-                  </a:schemeClr>
-                </a:solidFill>
-                <a:latin typeface="Fjalla One"/>
-                <a:ea typeface="DejaVu Sans"/>
-              </a:rPr>
-              <a:t>Missão</a:t>
-            </a:r>
-            <a:endParaRPr lang="pt-BR" sz="1800" b="0" strike="noStrike" spc="-1" dirty="0">
-              <a:solidFill>
-                <a:schemeClr val="tx1">
-                  <a:lumMod val="95000"/>
-                  <a:lumOff val="5000"/>
-                </a:schemeClr>
-              </a:solidFill>
-              <a:latin typeface="Arial"/>
-            </a:endParaRPr>
-          </a:p>
-        </p:txBody>
-      </p:sp>
-      <p:sp>
-        <p:nvSpPr>
-          <p:cNvPr id="32" name="CustomShape 19">
-            <a:extLst>
-              <a:ext uri="{FF2B5EF4-FFF2-40B4-BE49-F238E27FC236}">
-                <a16:creationId xmlns:a16="http://schemas.microsoft.com/office/drawing/2014/main" id="{76A286CF-914E-4B4B-855B-CBB05E0D41BB}"/>
-              </a:ext>
-            </a:extLst>
-          </p:cNvPr>
-          <p:cNvSpPr/>
-          <p:nvPr/>
-        </p:nvSpPr>
-        <p:spPr>
-          <a:xfrm>
-            <a:off x="5685218" y="571096"/>
-            <a:ext cx="2501640" cy="788108"/>
-          </a:xfrm>
-          <a:prstGeom prst="rect">
-            <a:avLst/>
-          </a:prstGeom>
-          <a:noFill/>
-          <a:ln>
-            <a:noFill/>
-          </a:ln>
-        </p:spPr>
-        <p:style>
-          <a:lnRef idx="0">
-            <a:scrgbClr r="0" g="0" b="0"/>
-          </a:lnRef>
-          <a:fillRef idx="0">
-            <a:scrgbClr r="0" g="0" b="0"/>
-          </a:fillRef>
-          <a:effectRef idx="0">
-            <a:scrgbClr r="0" g="0" b="0"/>
-          </a:effectRef>
-          <a:fontRef idx="minor"/>
-        </p:style>
-        <p:txBody>
-          <a:bodyPr lIns="90000" tIns="91440" rIns="90000" bIns="91440">
-            <a:noAutofit/>
-          </a:bodyPr>
-          <a:lstStyle/>
-          <a:p>
-            <a:pPr algn="ctr">
-              <a:lnSpc>
-                <a:spcPct val="100000"/>
-              </a:lnSpc>
-            </a:pPr>
-            <a:r>
-              <a:rPr lang="pt-BR" sz="1400" b="0" strike="noStrike" spc="-1" dirty="0">
-                <a:solidFill>
-                  <a:schemeClr val="tx1">
-                    <a:lumMod val="95000"/>
-                    <a:lumOff val="5000"/>
-                  </a:schemeClr>
-                </a:solidFill>
-                <a:latin typeface="Barlow Semi Condensed"/>
-                <a:ea typeface="Barlow Semi Condensed"/>
-              </a:rPr>
-              <a:t>Excelência</a:t>
-            </a:r>
-            <a:endParaRPr lang="pt-BR" sz="1400" b="0" strike="noStrike" spc="-1" dirty="0">
-              <a:solidFill>
-                <a:schemeClr val="tx1">
-                  <a:lumMod val="95000"/>
-                  <a:lumOff val="5000"/>
-                </a:schemeClr>
-              </a:solidFill>
-              <a:latin typeface="Arial"/>
-            </a:endParaRPr>
-          </a:p>
-          <a:p>
-            <a:pPr algn="ctr">
-              <a:lnSpc>
-                <a:spcPct val="100000"/>
-              </a:lnSpc>
-            </a:pPr>
-            <a:r>
-              <a:rPr lang="pt-BR" sz="1400" b="0" strike="noStrike" spc="-1" dirty="0">
-                <a:solidFill>
-                  <a:schemeClr val="tx1">
-                    <a:lumMod val="95000"/>
-                    <a:lumOff val="5000"/>
-                  </a:schemeClr>
-                </a:solidFill>
-                <a:latin typeface="Barlow Semi Condensed"/>
-                <a:ea typeface="Barlow Semi Condensed"/>
-              </a:rPr>
-              <a:t>Agilidade </a:t>
-            </a:r>
-            <a:endParaRPr lang="pt-BR" sz="1400" b="0" strike="noStrike" spc="-1" dirty="0">
-              <a:solidFill>
-                <a:schemeClr val="tx1">
-                  <a:lumMod val="95000"/>
-                  <a:lumOff val="5000"/>
-                </a:schemeClr>
-              </a:solidFill>
-              <a:latin typeface="Arial"/>
-            </a:endParaRPr>
-          </a:p>
-          <a:p>
-            <a:pPr algn="ctr">
-              <a:lnSpc>
-                <a:spcPct val="100000"/>
-              </a:lnSpc>
-            </a:pPr>
-            <a:r>
-              <a:rPr lang="pt-BR" sz="1400" b="0" strike="noStrike" spc="-1" dirty="0">
-                <a:solidFill>
-                  <a:schemeClr val="tx1">
-                    <a:lumMod val="95000"/>
-                    <a:lumOff val="5000"/>
-                  </a:schemeClr>
-                </a:solidFill>
-                <a:latin typeface="Barlow Semi Condensed"/>
-                <a:ea typeface="Barlow Semi Condensed"/>
-              </a:rPr>
-              <a:t>Compromisso </a:t>
-            </a:r>
-            <a:endParaRPr lang="pt-BR" sz="1400" b="0" strike="noStrike" spc="-1" dirty="0">
-              <a:solidFill>
-                <a:schemeClr val="tx1">
-                  <a:lumMod val="95000"/>
-                  <a:lumOff val="5000"/>
-                </a:schemeClr>
-              </a:solidFill>
-              <a:latin typeface="Arial"/>
-            </a:endParaRPr>
-          </a:p>
-          <a:p>
-            <a:pPr algn="ctr">
-              <a:lnSpc>
-                <a:spcPct val="100000"/>
-              </a:lnSpc>
-            </a:pPr>
-            <a:r>
-              <a:rPr lang="pt-BR" sz="1400" b="0" strike="noStrike" spc="-1" dirty="0">
-                <a:solidFill>
-                  <a:schemeClr val="tx1">
-                    <a:lumMod val="95000"/>
-                    <a:lumOff val="5000"/>
-                  </a:schemeClr>
-                </a:solidFill>
-                <a:latin typeface="Barlow Semi Condensed"/>
-                <a:ea typeface="Barlow Semi Condensed"/>
-              </a:rPr>
-              <a:t> </a:t>
-            </a:r>
-            <a:endParaRPr lang="pt-BR" sz="1400" b="0" strike="noStrike" spc="-1" dirty="0">
-              <a:solidFill>
-                <a:schemeClr val="tx1">
-                  <a:lumMod val="95000"/>
-                  <a:lumOff val="5000"/>
-                </a:schemeClr>
-              </a:solidFill>
-              <a:latin typeface="Arial"/>
-            </a:endParaRPr>
-          </a:p>
-          <a:p>
-            <a:pPr algn="ctr">
-              <a:lnSpc>
-                <a:spcPct val="100000"/>
-              </a:lnSpc>
-            </a:pPr>
-            <a:endParaRPr lang="pt-BR" sz="1400" b="0" strike="noStrike" spc="-1" dirty="0">
-              <a:solidFill>
-                <a:schemeClr val="tx1">
-                  <a:lumMod val="95000"/>
-                  <a:lumOff val="5000"/>
-                </a:schemeClr>
-              </a:solidFill>
-              <a:latin typeface="Arial"/>
-            </a:endParaRPr>
-          </a:p>
-        </p:txBody>
-      </p:sp>
-      <p:sp>
-        <p:nvSpPr>
-          <p:cNvPr id="33" name="CustomShape 18">
-            <a:extLst>
-              <a:ext uri="{FF2B5EF4-FFF2-40B4-BE49-F238E27FC236}">
-                <a16:creationId xmlns:a16="http://schemas.microsoft.com/office/drawing/2014/main" id="{367099A7-1733-4307-82EA-53D71EAB9A1F}"/>
-              </a:ext>
-            </a:extLst>
-          </p:cNvPr>
-          <p:cNvSpPr/>
-          <p:nvPr/>
-        </p:nvSpPr>
-        <p:spPr>
-          <a:xfrm>
-            <a:off x="6484901" y="312096"/>
-            <a:ext cx="1043640" cy="423000"/>
-          </a:xfrm>
-          <a:prstGeom prst="rect">
-            <a:avLst/>
-          </a:prstGeom>
-          <a:noFill/>
-          <a:ln>
-            <a:noFill/>
-          </a:ln>
-        </p:spPr>
-        <p:style>
-          <a:lnRef idx="0">
-            <a:scrgbClr r="0" g="0" b="0"/>
-          </a:lnRef>
-          <a:fillRef idx="0">
-            <a:scrgbClr r="0" g="0" b="0"/>
-          </a:fillRef>
-          <a:effectRef idx="0">
-            <a:scrgbClr r="0" g="0" b="0"/>
-          </a:effectRef>
-          <a:fontRef idx="minor"/>
-        </p:style>
-        <p:txBody>
-          <a:bodyPr lIns="90000" tIns="45000" rIns="90000" bIns="45000">
-            <a:noAutofit/>
-          </a:bodyPr>
-          <a:lstStyle/>
-          <a:p>
-            <a:pPr>
-              <a:lnSpc>
-                <a:spcPct val="90000"/>
-              </a:lnSpc>
-            </a:pPr>
-            <a:r>
-              <a:rPr lang="pt-BR" sz="1800" b="1" strike="noStrike" spc="-1" dirty="0">
-                <a:solidFill>
-                  <a:schemeClr val="tx1">
-                    <a:lumMod val="95000"/>
-                    <a:lumOff val="5000"/>
-                  </a:schemeClr>
-                </a:solidFill>
-                <a:latin typeface="Fjalla One"/>
-                <a:ea typeface="DejaVu Sans"/>
-              </a:rPr>
-              <a:t>Valores</a:t>
-            </a:r>
-            <a:endParaRPr lang="pt-BR" sz="1800" b="0" strike="noStrike" spc="-1" dirty="0">
-              <a:solidFill>
-                <a:schemeClr val="tx1">
-                  <a:lumMod val="95000"/>
-                  <a:lumOff val="5000"/>
-                </a:schemeClr>
-              </a:solidFill>
-              <a:latin typeface="Arial"/>
-            </a:endParaRPr>
-          </a:p>
-        </p:txBody>
-      </p:sp>
-      <p:sp>
-        <p:nvSpPr>
-          <p:cNvPr id="34" name="CustomShape 21">
-            <a:extLst>
-              <a:ext uri="{FF2B5EF4-FFF2-40B4-BE49-F238E27FC236}">
-                <a16:creationId xmlns:a16="http://schemas.microsoft.com/office/drawing/2014/main" id="{630A7F66-D4BB-4893-9B87-67C20638FD43}"/>
-              </a:ext>
-            </a:extLst>
-          </p:cNvPr>
-          <p:cNvSpPr/>
-          <p:nvPr/>
-        </p:nvSpPr>
-        <p:spPr>
-          <a:xfrm>
-            <a:off x="8137150" y="578545"/>
-            <a:ext cx="2501640" cy="665662"/>
-          </a:xfrm>
-          <a:prstGeom prst="rect">
-            <a:avLst/>
-          </a:prstGeom>
-          <a:noFill/>
-          <a:ln>
-            <a:noFill/>
-          </a:ln>
-        </p:spPr>
-        <p:style>
-          <a:lnRef idx="0">
-            <a:scrgbClr r="0" g="0" b="0"/>
-          </a:lnRef>
-          <a:fillRef idx="0">
-            <a:scrgbClr r="0" g="0" b="0"/>
-          </a:fillRef>
-          <a:effectRef idx="0">
-            <a:scrgbClr r="0" g="0" b="0"/>
-          </a:effectRef>
-          <a:fontRef idx="minor"/>
-        </p:style>
-        <p:txBody>
-          <a:bodyPr lIns="90000" tIns="91440" rIns="90000" bIns="91440">
-            <a:noAutofit/>
-          </a:bodyPr>
-          <a:lstStyle/>
-          <a:p>
-            <a:pPr algn="ctr">
-              <a:lnSpc>
-                <a:spcPct val="100000"/>
-              </a:lnSpc>
-            </a:pPr>
-            <a:r>
-              <a:rPr lang="pt-BR" sz="1400" b="0" strike="noStrike" spc="-1" dirty="0">
-                <a:solidFill>
-                  <a:schemeClr val="tx1">
-                    <a:lumMod val="95000"/>
-                    <a:lumOff val="5000"/>
-                  </a:schemeClr>
-                </a:solidFill>
-                <a:latin typeface="Barlow Semi Condensed"/>
-                <a:ea typeface="Barlow Semi Condensed"/>
-              </a:rPr>
-              <a:t>Melhorar a experiência dos pacientes em consultórios. </a:t>
-            </a:r>
-            <a:endParaRPr lang="pt-BR" sz="1400" b="0" strike="noStrike" spc="-1" dirty="0">
-              <a:solidFill>
-                <a:schemeClr val="tx1">
-                  <a:lumMod val="95000"/>
-                  <a:lumOff val="5000"/>
-                </a:schemeClr>
-              </a:solidFill>
-              <a:latin typeface="Arial"/>
-            </a:endParaRPr>
-          </a:p>
-          <a:p>
-            <a:pPr algn="ctr">
-              <a:lnSpc>
-                <a:spcPct val="100000"/>
-              </a:lnSpc>
-            </a:pPr>
-            <a:r>
-              <a:rPr lang="pt-BR" sz="1400" b="0" strike="noStrike" spc="-1" dirty="0">
-                <a:solidFill>
-                  <a:schemeClr val="tx1">
-                    <a:lumMod val="95000"/>
-                    <a:lumOff val="5000"/>
-                  </a:schemeClr>
-                </a:solidFill>
-                <a:latin typeface="Barlow Semi Condensed"/>
-                <a:ea typeface="Barlow Semi Condensed"/>
-              </a:rPr>
-              <a:t> </a:t>
-            </a:r>
-            <a:endParaRPr lang="pt-BR" sz="1400" b="0" strike="noStrike" spc="-1" dirty="0">
-              <a:solidFill>
-                <a:schemeClr val="tx1">
-                  <a:lumMod val="95000"/>
-                  <a:lumOff val="5000"/>
-                </a:schemeClr>
-              </a:solidFill>
-              <a:latin typeface="Arial"/>
-            </a:endParaRPr>
-          </a:p>
-          <a:p>
-            <a:pPr algn="ctr">
-              <a:lnSpc>
-                <a:spcPct val="100000"/>
-              </a:lnSpc>
-            </a:pPr>
-            <a:endParaRPr lang="pt-BR" sz="1400" b="0" strike="noStrike" spc="-1" dirty="0">
-              <a:solidFill>
-                <a:schemeClr val="tx1">
-                  <a:lumMod val="95000"/>
-                  <a:lumOff val="5000"/>
-                </a:schemeClr>
-              </a:solidFill>
-              <a:latin typeface="Arial"/>
-            </a:endParaRPr>
-          </a:p>
-        </p:txBody>
-      </p:sp>
-      <p:sp>
-        <p:nvSpPr>
-          <p:cNvPr id="35" name="CustomShape 20">
-            <a:extLst>
-              <a:ext uri="{FF2B5EF4-FFF2-40B4-BE49-F238E27FC236}">
-                <a16:creationId xmlns:a16="http://schemas.microsoft.com/office/drawing/2014/main" id="{7F8AC94D-21A3-4686-8D43-B291D4041A13}"/>
-              </a:ext>
-            </a:extLst>
-          </p:cNvPr>
-          <p:cNvSpPr/>
-          <p:nvPr/>
-        </p:nvSpPr>
-        <p:spPr>
-          <a:xfrm>
-            <a:off x="8958046" y="301621"/>
-            <a:ext cx="803657" cy="423000"/>
-          </a:xfrm>
-          <a:prstGeom prst="rect">
-            <a:avLst/>
-          </a:prstGeom>
-          <a:noFill/>
-          <a:ln>
-            <a:noFill/>
-          </a:ln>
-        </p:spPr>
-        <p:style>
-          <a:lnRef idx="0">
-            <a:scrgbClr r="0" g="0" b="0"/>
-          </a:lnRef>
-          <a:fillRef idx="0">
-            <a:scrgbClr r="0" g="0" b="0"/>
-          </a:fillRef>
-          <a:effectRef idx="0">
-            <a:scrgbClr r="0" g="0" b="0"/>
-          </a:effectRef>
-          <a:fontRef idx="minor"/>
-        </p:style>
-        <p:txBody>
-          <a:bodyPr lIns="90000" tIns="45000" rIns="90000" bIns="45000">
-            <a:noAutofit/>
-          </a:bodyPr>
-          <a:lstStyle/>
-          <a:p>
-            <a:pPr>
-              <a:lnSpc>
-                <a:spcPct val="90000"/>
-              </a:lnSpc>
-            </a:pPr>
-            <a:r>
-              <a:rPr lang="pt-BR" sz="1800" b="1" strike="noStrike" spc="-1" dirty="0">
-                <a:solidFill>
-                  <a:schemeClr val="tx1">
-                    <a:lumMod val="95000"/>
-                    <a:lumOff val="5000"/>
-                  </a:schemeClr>
-                </a:solidFill>
-                <a:latin typeface="Fjalla One"/>
-                <a:ea typeface="DejaVu Sans"/>
-              </a:rPr>
-              <a:t>Visão</a:t>
-            </a:r>
-            <a:endParaRPr lang="pt-BR" sz="1800" b="0" strike="noStrike" spc="-1" dirty="0">
+            <a:endParaRPr lang="pt-BR" sz="3200" b="0" strike="noStrike" spc="-1" dirty="0">
               <a:solidFill>
                 <a:schemeClr val="tx1">
                   <a:lumMod val="95000"/>
@@ -16850,12 +15535,9 @@
   <p:cSld>
     <p:bg>
       <p:bgPr>
-        <a:blipFill rotWithShape="1">
-          <a:blip r:embed="rId3"/>
-          <a:stretch>
-            <a:fillRect/>
-          </a:stretch>
-        </a:blipFill>
+        <a:solidFill>
+          <a:schemeClr val="bg1"/>
+        </a:solidFill>
         <a:effectLst/>
       </p:bgPr>
     </p:bg>
@@ -16873,42 +15555,166 @@
           <a:chExt cx="0" cy="0"/>
         </a:xfrm>
       </p:grpSpPr>
+      <p:sp>
+        <p:nvSpPr>
+          <p:cNvPr id="10" name="矩形 9"/>
+          <p:cNvSpPr/>
+          <p:nvPr/>
+        </p:nvSpPr>
+        <p:spPr>
+          <a:xfrm>
+            <a:off x="-12163" y="4445391"/>
+            <a:ext cx="12192000" cy="2440743"/>
+          </a:xfrm>
+          <a:prstGeom prst="rect">
+            <a:avLst/>
+          </a:prstGeom>
+          <a:solidFill>
+            <a:srgbClr val="2499D6"/>
+          </a:solidFill>
+          <a:ln>
+            <a:noFill/>
+          </a:ln>
+        </p:spPr>
+        <p:style>
+          <a:lnRef idx="2">
+            <a:schemeClr val="accent1">
+              <a:shade val="50000"/>
+            </a:schemeClr>
+          </a:lnRef>
+          <a:fillRef idx="1">
+            <a:schemeClr val="accent1"/>
+          </a:fillRef>
+          <a:effectRef idx="0">
+            <a:schemeClr val="accent1"/>
+          </a:effectRef>
+          <a:fontRef idx="minor">
+            <a:schemeClr val="lt1"/>
+          </a:fontRef>
+        </p:style>
+        <p:txBody>
+          <a:bodyPr rtlCol="0" anchor="ctr"/>
+          <a:lstStyle/>
+          <a:p>
+            <a:pPr algn="ctr"/>
+            <a:endParaRPr lang="zh-CN" altLang="en-US" sz="6600" kern="2500" dirty="0">
+              <a:solidFill>
+                <a:schemeClr val="bg1"/>
+              </a:solidFill>
+              <a:latin typeface="思源黑体 ExtraLight" panose="020B0200000000000000" pitchFamily="34" charset="-122"/>
+              <a:ea typeface="思源黑体 ExtraLight" panose="020B0200000000000000" pitchFamily="34" charset="-122"/>
+              <a:cs typeface="思源黑体 CN Regular" panose="020B0500000000000000" charset="-122"/>
+            </a:endParaRPr>
+          </a:p>
+        </p:txBody>
+      </p:sp>
+      <p:sp>
+        <p:nvSpPr>
+          <p:cNvPr id="18" name="文本框 17"/>
+          <p:cNvSpPr txBox="1"/>
+          <p:nvPr/>
+        </p:nvSpPr>
+        <p:spPr>
+          <a:xfrm>
+            <a:off x="4198033" y="345815"/>
+            <a:ext cx="3799987" cy="646331"/>
+          </a:xfrm>
+          <a:prstGeom prst="rect">
+            <a:avLst/>
+          </a:prstGeom>
+          <a:noFill/>
+        </p:spPr>
+        <p:txBody>
+          <a:bodyPr wrap="square" rtlCol="0">
+            <a:spAutoFit/>
+          </a:bodyPr>
+          <a:lstStyle/>
+          <a:p>
+            <a:pPr algn="ctr"/>
+            <a:r>
+              <a:rPr lang="pt-BR" altLang="zh-CN" sz="3600" dirty="0">
+                <a:solidFill>
+                  <a:schemeClr val="tx1">
+                    <a:lumMod val="95000"/>
+                    <a:lumOff val="5000"/>
+                  </a:schemeClr>
+                </a:solidFill>
+                <a:latin typeface="思源黑体 CN Bold" panose="020B0800000000000000" charset="-122"/>
+                <a:ea typeface="思源黑体 CN Bold" panose="020B0800000000000000" charset="-122"/>
+                <a:cs typeface="思源黑体 CN Bold" panose="020B0800000000000000" charset="-122"/>
+                <a:sym typeface="+mn-ea"/>
+              </a:rPr>
+              <a:t>Metodologia</a:t>
+            </a:r>
+            <a:endParaRPr lang="zh-CN" altLang="zh-CN" sz="3600" dirty="0">
+              <a:solidFill>
+                <a:schemeClr val="tx1">
+                  <a:lumMod val="95000"/>
+                  <a:lumOff val="5000"/>
+                </a:schemeClr>
+              </a:solidFill>
+              <a:uFillTx/>
+              <a:latin typeface="思源黑体 CN Bold" panose="020B0800000000000000" charset="-122"/>
+              <a:ea typeface="思源黑体 CN Bold" panose="020B0800000000000000" charset="-122"/>
+              <a:cs typeface="思源黑体 CN Bold" panose="020B0800000000000000" charset="-122"/>
+              <a:sym typeface="+mn-ea"/>
+            </a:endParaRPr>
+          </a:p>
+        </p:txBody>
+      </p:sp>
       <p:pic>
         <p:nvPicPr>
-          <p:cNvPr id="4" name="Imagem 3">
+          <p:cNvPr id="26" name="Picture 6" descr="Sprints do Scrum: tudo o que você precisa saber | Atlassian">
             <a:extLst>
               <a:ext uri="{FF2B5EF4-FFF2-40B4-BE49-F238E27FC236}">
-                <a16:creationId xmlns:a16="http://schemas.microsoft.com/office/drawing/2014/main" id="{6DB85B83-B50E-4D11-8A59-80060A771BF3}"/>
+                <a16:creationId xmlns:a16="http://schemas.microsoft.com/office/drawing/2014/main" id="{DA969C03-D400-44D5-A935-578AD5AF299B}"/>
               </a:ext>
             </a:extLst>
           </p:cNvPr>
           <p:cNvPicPr>
-            <a:picLocks noChangeAspect="1"/>
+            <a:picLocks noChangeAspect="1" noChangeArrowheads="1"/>
           </p:cNvPicPr>
           <p:nvPr/>
         </p:nvPicPr>
         <p:blipFill>
-          <a:blip r:embed="rId4"/>
+          <a:blip r:embed="rId3">
+            <a:extLst>
+              <a:ext uri="{28A0092B-C50C-407E-A947-70E740481C1C}">
+                <a14:useLocalDpi xmlns:a14="http://schemas.microsoft.com/office/drawing/2010/main" val="0"/>
+              </a:ext>
+            </a:extLst>
+          </a:blip>
+          <a:srcRect/>
           <a:stretch>
             <a:fillRect/>
           </a:stretch>
         </p:blipFill>
-        <p:spPr>
-          <a:xfrm>
-            <a:off x="0" y="-1071"/>
-            <a:ext cx="12199858" cy="6859071"/>
+        <p:spPr bwMode="auto">
+          <a:xfrm>
+            <a:off x="4118609" y="2358671"/>
+            <a:ext cx="4281316" cy="2140658"/>
           </a:xfrm>
           <a:prstGeom prst="rect">
             <a:avLst/>
           </a:prstGeom>
+          <a:noFill/>
+          <a:extLst>
+            <a:ext uri="{909E8E84-426E-40DD-AFC4-6F175D3DCCD1}">
+              <a14:hiddenFill xmlns:a14="http://schemas.microsoft.com/office/drawing/2010/main">
+                <a:solidFill>
+                  <a:srgbClr val="FFFFFF"/>
+                </a:solidFill>
+              </a14:hiddenFill>
+            </a:ext>
+          </a:extLst>
         </p:spPr>
       </p:pic>
       <p:sp>
         <p:nvSpPr>
-          <p:cNvPr id="5" name="文本框 12">
+          <p:cNvPr id="31" name="CaixaDeTexto 30">
             <a:extLst>
               <a:ext uri="{FF2B5EF4-FFF2-40B4-BE49-F238E27FC236}">
-                <a16:creationId xmlns:a16="http://schemas.microsoft.com/office/drawing/2014/main" id="{710483A4-6B6E-4E2B-A2A9-021EBC5D0618}"/>
+                <a16:creationId xmlns:a16="http://schemas.microsoft.com/office/drawing/2014/main" id="{439CAD0F-A7C9-4761-9BC2-69F298C08279}"/>
               </a:ext>
             </a:extLst>
           </p:cNvPr>
@@ -16917,8 +15723,8 @@
         </p:nvSpPr>
         <p:spPr>
           <a:xfrm>
-            <a:off x="699054" y="134444"/>
-            <a:ext cx="1706522" cy="523220"/>
+            <a:off x="2613366" y="2358671"/>
+            <a:ext cx="1505243" cy="584775"/>
           </a:xfrm>
           <a:prstGeom prst="rect">
             <a:avLst/>
@@ -16926,131 +15732,208 @@
           <a:noFill/>
         </p:spPr>
         <p:txBody>
-          <a:bodyPr wrap="square">
+          <a:bodyPr wrap="square" rtlCol="0">
             <a:spAutoFit/>
-            <a:scene3d>
-              <a:camera prst="orthographicFront"/>
-              <a:lightRig rig="threePt" dir="t"/>
-            </a:scene3d>
-            <a:sp3d contourW="12700"/>
           </a:bodyPr>
-          <a:lstStyle>
-            <a:defPPr>
-              <a:defRPr lang="zh-CN"/>
-            </a:defPPr>
-            <a:lvl1pPr marL="0" algn="l" defTabSz="914400" rtl="0" eaLnBrk="1" latinLnBrk="0" hangingPunct="1">
-              <a:defRPr sz="1800" kern="1200">
-                <a:solidFill>
-                  <a:schemeClr val="tx1"/>
-                </a:solidFill>
-                <a:latin typeface="+mn-lt"/>
-                <a:ea typeface="+mn-ea"/>
-                <a:cs typeface="+mn-cs"/>
-              </a:defRPr>
-            </a:lvl1pPr>
-            <a:lvl2pPr marL="457200" algn="l" defTabSz="914400" rtl="0" eaLnBrk="1" latinLnBrk="0" hangingPunct="1">
-              <a:defRPr sz="1800" kern="1200">
-                <a:solidFill>
-                  <a:schemeClr val="tx1"/>
-                </a:solidFill>
-                <a:latin typeface="+mn-lt"/>
-                <a:ea typeface="+mn-ea"/>
-                <a:cs typeface="+mn-cs"/>
-              </a:defRPr>
-            </a:lvl2pPr>
-            <a:lvl3pPr marL="914400" algn="l" defTabSz="914400" rtl="0" eaLnBrk="1" latinLnBrk="0" hangingPunct="1">
-              <a:defRPr sz="1800" kern="1200">
-                <a:solidFill>
-                  <a:schemeClr val="tx1"/>
-                </a:solidFill>
-                <a:latin typeface="+mn-lt"/>
-                <a:ea typeface="+mn-ea"/>
-                <a:cs typeface="+mn-cs"/>
-              </a:defRPr>
-            </a:lvl3pPr>
-            <a:lvl4pPr marL="1371600" algn="l" defTabSz="914400" rtl="0" eaLnBrk="1" latinLnBrk="0" hangingPunct="1">
-              <a:defRPr sz="1800" kern="1200">
-                <a:solidFill>
-                  <a:schemeClr val="tx1"/>
-                </a:solidFill>
-                <a:latin typeface="+mn-lt"/>
-                <a:ea typeface="+mn-ea"/>
-                <a:cs typeface="+mn-cs"/>
-              </a:defRPr>
-            </a:lvl4pPr>
-            <a:lvl5pPr marL="1828800" algn="l" defTabSz="914400" rtl="0" eaLnBrk="1" latinLnBrk="0" hangingPunct="1">
-              <a:defRPr sz="1800" kern="1200">
-                <a:solidFill>
-                  <a:schemeClr val="tx1"/>
-                </a:solidFill>
-                <a:latin typeface="+mn-lt"/>
-                <a:ea typeface="+mn-ea"/>
-                <a:cs typeface="+mn-cs"/>
-              </a:defRPr>
-            </a:lvl5pPr>
-            <a:lvl6pPr marL="2286000" algn="l" defTabSz="914400" rtl="0" eaLnBrk="1" latinLnBrk="0" hangingPunct="1">
-              <a:defRPr sz="1800" kern="1200">
-                <a:solidFill>
-                  <a:schemeClr val="tx1"/>
-                </a:solidFill>
-                <a:latin typeface="+mn-lt"/>
-                <a:ea typeface="+mn-ea"/>
-                <a:cs typeface="+mn-cs"/>
-              </a:defRPr>
-            </a:lvl6pPr>
-            <a:lvl7pPr marL="2743200" algn="l" defTabSz="914400" rtl="0" eaLnBrk="1" latinLnBrk="0" hangingPunct="1">
-              <a:defRPr sz="1800" kern="1200">
-                <a:solidFill>
-                  <a:schemeClr val="tx1"/>
-                </a:solidFill>
-                <a:latin typeface="+mn-lt"/>
-                <a:ea typeface="+mn-ea"/>
-                <a:cs typeface="+mn-cs"/>
-              </a:defRPr>
-            </a:lvl7pPr>
-            <a:lvl8pPr marL="3200400" algn="l" defTabSz="914400" rtl="0" eaLnBrk="1" latinLnBrk="0" hangingPunct="1">
-              <a:defRPr sz="1800" kern="1200">
-                <a:solidFill>
-                  <a:schemeClr val="tx1"/>
-                </a:solidFill>
-                <a:latin typeface="+mn-lt"/>
-                <a:ea typeface="+mn-ea"/>
-                <a:cs typeface="+mn-cs"/>
-              </a:defRPr>
-            </a:lvl8pPr>
-            <a:lvl9pPr marL="3657600" algn="l" defTabSz="914400" rtl="0" eaLnBrk="1" latinLnBrk="0" hangingPunct="1">
-              <a:defRPr sz="1800" kern="1200">
-                <a:solidFill>
-                  <a:schemeClr val="tx1"/>
-                </a:solidFill>
-                <a:latin typeface="+mn-lt"/>
-                <a:ea typeface="+mn-ea"/>
-                <a:cs typeface="+mn-cs"/>
-              </a:defRPr>
-            </a:lvl9pPr>
-          </a:lstStyle>
-          <a:p>
-            <a:pPr algn="r" fontAlgn="auto">
-              <a:lnSpc>
-                <a:spcPct val="100000"/>
-              </a:lnSpc>
-              <a:defRPr/>
-            </a:pPr>
-            <a:r>
-              <a:rPr lang="en-US" altLang="zh-CN" sz="2800" dirty="0">
-                <a:solidFill>
-                  <a:schemeClr val="tx1">
-                    <a:lumMod val="95000"/>
-                    <a:lumOff val="5000"/>
-                  </a:schemeClr>
-                </a:solidFill>
-                <a:uFillTx/>
-                <a:latin typeface="思源黑体 CN Heavy" panose="020B0A00000000000000" pitchFamily="34" charset="-122"/>
-                <a:ea typeface="思源黑体 CN Heavy" panose="020B0A00000000000000" pitchFamily="34" charset="-122"/>
-                <a:cs typeface="+mn-ea"/>
-                <a:sym typeface="思源黑体 Medium" panose="020B0600000000000000" charset="-122"/>
-              </a:rPr>
-              <a:t>Persona</a:t>
+          <a:lstStyle/>
+          <a:p>
+            <a:r>
+              <a:rPr lang="pt-BR" sz="3200" dirty="0">
+                <a:solidFill>
+                  <a:schemeClr val="tx1">
+                    <a:lumMod val="95000"/>
+                    <a:lumOff val="5000"/>
+                  </a:schemeClr>
+                </a:solidFill>
+                <a:latin typeface="Rockwell" panose="02060603020205020403" pitchFamily="18" charset="0"/>
+              </a:rPr>
+              <a:t>Daily</a:t>
+            </a:r>
+            <a:r>
+              <a:rPr lang="pt-BR" sz="3200" dirty="0">
+                <a:solidFill>
+                  <a:schemeClr val="tx1">
+                    <a:lumMod val="95000"/>
+                    <a:lumOff val="5000"/>
+                  </a:schemeClr>
+                </a:solidFill>
+              </a:rPr>
+              <a:t> </a:t>
+            </a:r>
+          </a:p>
+        </p:txBody>
+      </p:sp>
+      <p:sp>
+        <p:nvSpPr>
+          <p:cNvPr id="32" name="CaixaDeTexto 31">
+            <a:extLst>
+              <a:ext uri="{FF2B5EF4-FFF2-40B4-BE49-F238E27FC236}">
+                <a16:creationId xmlns:a16="http://schemas.microsoft.com/office/drawing/2014/main" id="{4EAD367F-AC9A-497B-AA4D-C3E920D70AAF}"/>
+              </a:ext>
+            </a:extLst>
+          </p:cNvPr>
+          <p:cNvSpPr txBox="1"/>
+          <p:nvPr/>
+        </p:nvSpPr>
+        <p:spPr>
+          <a:xfrm>
+            <a:off x="1468901" y="3610956"/>
+            <a:ext cx="2729132" cy="584775"/>
+          </a:xfrm>
+          <a:prstGeom prst="rect">
+            <a:avLst/>
+          </a:prstGeom>
+          <a:noFill/>
+        </p:spPr>
+        <p:txBody>
+          <a:bodyPr wrap="square" rtlCol="0">
+            <a:spAutoFit/>
+          </a:bodyPr>
+          <a:lstStyle/>
+          <a:p>
+            <a:r>
+              <a:rPr lang="pt-BR" sz="3200" dirty="0">
+                <a:solidFill>
+                  <a:schemeClr val="tx1">
+                    <a:lumMod val="95000"/>
+                    <a:lumOff val="5000"/>
+                  </a:schemeClr>
+                </a:solidFill>
+                <a:latin typeface="Rockwell" panose="02060603020205020403" pitchFamily="18" charset="0"/>
+              </a:rPr>
+              <a:t>Planning </a:t>
+            </a:r>
+          </a:p>
+        </p:txBody>
+      </p:sp>
+      <p:sp>
+        <p:nvSpPr>
+          <p:cNvPr id="33" name="CaixaDeTexto 32">
+            <a:extLst>
+              <a:ext uri="{FF2B5EF4-FFF2-40B4-BE49-F238E27FC236}">
+                <a16:creationId xmlns:a16="http://schemas.microsoft.com/office/drawing/2014/main" id="{2D3DA268-7E76-44D6-A01E-9079D1BAB4D3}"/>
+              </a:ext>
+            </a:extLst>
+          </p:cNvPr>
+          <p:cNvSpPr txBox="1"/>
+          <p:nvPr/>
+        </p:nvSpPr>
+        <p:spPr>
+          <a:xfrm>
+            <a:off x="5353929" y="1356679"/>
+            <a:ext cx="1484142" cy="584775"/>
+          </a:xfrm>
+          <a:prstGeom prst="rect">
+            <a:avLst/>
+          </a:prstGeom>
+          <a:noFill/>
+        </p:spPr>
+        <p:txBody>
+          <a:bodyPr wrap="square" rtlCol="0">
+            <a:spAutoFit/>
+          </a:bodyPr>
+          <a:lstStyle/>
+          <a:p>
+            <a:r>
+              <a:rPr lang="pt-BR" sz="3200" dirty="0">
+                <a:solidFill>
+                  <a:schemeClr val="tx1">
+                    <a:lumMod val="95000"/>
+                    <a:lumOff val="5000"/>
+                  </a:schemeClr>
+                </a:solidFill>
+                <a:highlight>
+                  <a:srgbClr val="D4D4D4"/>
+                </a:highlight>
+                <a:latin typeface="Rockwell" panose="02060603020205020403" pitchFamily="18" charset="0"/>
+              </a:rPr>
+              <a:t>Scrum </a:t>
+            </a:r>
+          </a:p>
+        </p:txBody>
+      </p:sp>
+      <p:sp>
+        <p:nvSpPr>
+          <p:cNvPr id="38" name="CaixaDeTexto 37">
+            <a:extLst>
+              <a:ext uri="{FF2B5EF4-FFF2-40B4-BE49-F238E27FC236}">
+                <a16:creationId xmlns:a16="http://schemas.microsoft.com/office/drawing/2014/main" id="{78E2BB05-DE0C-4E3A-BBC3-ECAFCD2FDBC2}"/>
+              </a:ext>
+            </a:extLst>
+          </p:cNvPr>
+          <p:cNvSpPr txBox="1"/>
+          <p:nvPr/>
+        </p:nvSpPr>
+        <p:spPr>
+          <a:xfrm>
+            <a:off x="8788312" y="2358671"/>
+            <a:ext cx="1285328" cy="584775"/>
+          </a:xfrm>
+          <a:prstGeom prst="rect">
+            <a:avLst/>
+          </a:prstGeom>
+          <a:noFill/>
+        </p:spPr>
+        <p:txBody>
+          <a:bodyPr wrap="square" rtlCol="0">
+            <a:spAutoFit/>
+          </a:bodyPr>
+          <a:lstStyle/>
+          <a:p>
+            <a:r>
+              <a:rPr lang="pt-BR" sz="3200" dirty="0">
+                <a:solidFill>
+                  <a:schemeClr val="tx1">
+                    <a:lumMod val="95000"/>
+                    <a:lumOff val="5000"/>
+                  </a:schemeClr>
+                </a:solidFill>
+                <a:latin typeface="Rockwell" panose="02060603020205020403" pitchFamily="18" charset="0"/>
+              </a:rPr>
+              <a:t>Retro </a:t>
+            </a:r>
+          </a:p>
+        </p:txBody>
+      </p:sp>
+      <p:sp>
+        <p:nvSpPr>
+          <p:cNvPr id="39" name="CaixaDeTexto 38">
+            <a:extLst>
+              <a:ext uri="{FF2B5EF4-FFF2-40B4-BE49-F238E27FC236}">
+                <a16:creationId xmlns:a16="http://schemas.microsoft.com/office/drawing/2014/main" id="{22FEF31F-C5E2-401F-B96B-C95B943C9097}"/>
+              </a:ext>
+            </a:extLst>
+          </p:cNvPr>
+          <p:cNvSpPr txBox="1"/>
+          <p:nvPr/>
+        </p:nvSpPr>
+        <p:spPr>
+          <a:xfrm>
+            <a:off x="9170964" y="3610956"/>
+            <a:ext cx="1552135" cy="584775"/>
+          </a:xfrm>
+          <a:prstGeom prst="rect">
+            <a:avLst/>
+          </a:prstGeom>
+          <a:noFill/>
+        </p:spPr>
+        <p:txBody>
+          <a:bodyPr wrap="square" rtlCol="0">
+            <a:spAutoFit/>
+          </a:bodyPr>
+          <a:lstStyle/>
+          <a:p>
+            <a:r>
+              <a:rPr lang="pt-BR" sz="3200" dirty="0">
+                <a:solidFill>
+                  <a:schemeClr val="tx1">
+                    <a:lumMod val="95000"/>
+                    <a:lumOff val="5000"/>
+                  </a:schemeClr>
+                </a:solidFill>
+                <a:latin typeface="Rockwell" panose="02060603020205020403" pitchFamily="18" charset="0"/>
+              </a:rPr>
+              <a:t>Review </a:t>
             </a:r>
           </a:p>
         </p:txBody>
@@ -17068,12 +15951,9 @@
   <p:cSld>
     <p:bg>
       <p:bgPr>
-        <a:blipFill rotWithShape="1">
-          <a:blip r:embed="rId3"/>
-          <a:stretch>
-            <a:fillRect/>
-          </a:stretch>
-        </a:blipFill>
+        <a:solidFill>
+          <a:schemeClr val="bg1"/>
+        </a:solidFill>
         <a:effectLst/>
       </p:bgPr>
     </p:bg>
@@ -17093,187 +15973,147 @@
       </p:grpSpPr>
       <p:sp>
         <p:nvSpPr>
-          <p:cNvPr id="14" name="ïş1ïdè">
+          <p:cNvPr id="10" name="文本框 9"/>
+          <p:cNvSpPr txBox="1"/>
+          <p:nvPr/>
+        </p:nvSpPr>
+        <p:spPr>
+          <a:xfrm>
+            <a:off x="3298311" y="0"/>
+            <a:ext cx="5595377" cy="523220"/>
+          </a:xfrm>
+          <a:prstGeom prst="rect">
+            <a:avLst/>
+          </a:prstGeom>
+          <a:noFill/>
+        </p:spPr>
+        <p:txBody>
+          <a:bodyPr wrap="square" rtlCol="0">
+            <a:spAutoFit/>
+          </a:bodyPr>
+          <a:lstStyle/>
+          <a:p>
+            <a:pPr algn="ctr"/>
+            <a:r>
+              <a:rPr lang="en-US" altLang="zh-CN" sz="2800" dirty="0" err="1">
+                <a:solidFill>
+                  <a:schemeClr val="tx1">
+                    <a:lumMod val="95000"/>
+                    <a:lumOff val="5000"/>
+                  </a:schemeClr>
+                </a:solidFill>
+                <a:latin typeface="思源黑体 CN Heavy" panose="020B0A00000000000000" pitchFamily="34" charset="-122"/>
+                <a:ea typeface="思源黑体 CN Heavy" panose="020B0A00000000000000" pitchFamily="34" charset="-122"/>
+                <a:cs typeface="思源黑体 CN Regular" panose="020B0500000000000000" charset="-122"/>
+              </a:rPr>
+              <a:t>Diagrama</a:t>
+            </a:r>
+            <a:r>
+              <a:rPr lang="en-US" altLang="zh-CN" sz="2800" dirty="0">
+                <a:solidFill>
+                  <a:schemeClr val="tx1">
+                    <a:lumMod val="95000"/>
+                    <a:lumOff val="5000"/>
+                  </a:schemeClr>
+                </a:solidFill>
+                <a:latin typeface="思源黑体 CN Heavy" panose="020B0A00000000000000" pitchFamily="34" charset="-122"/>
+                <a:ea typeface="思源黑体 CN Heavy" panose="020B0A00000000000000" pitchFamily="34" charset="-122"/>
+                <a:cs typeface="思源黑体 CN Regular" panose="020B0500000000000000" charset="-122"/>
+              </a:rPr>
+              <a:t> de </a:t>
+            </a:r>
+            <a:r>
+              <a:rPr lang="en-US" altLang="zh-CN" sz="2800" dirty="0" err="1">
+                <a:solidFill>
+                  <a:schemeClr val="tx1">
+                    <a:lumMod val="95000"/>
+                    <a:lumOff val="5000"/>
+                  </a:schemeClr>
+                </a:solidFill>
+                <a:latin typeface="思源黑体 CN Heavy" panose="020B0A00000000000000" pitchFamily="34" charset="-122"/>
+                <a:ea typeface="思源黑体 CN Heavy" panose="020B0A00000000000000" pitchFamily="34" charset="-122"/>
+                <a:cs typeface="思源黑体 CN Regular" panose="020B0500000000000000" charset="-122"/>
+              </a:rPr>
+              <a:t>soução</a:t>
+            </a:r>
+            <a:r>
+              <a:rPr lang="en-US" altLang="zh-CN" sz="2800" dirty="0">
+                <a:solidFill>
+                  <a:schemeClr val="tx1">
+                    <a:lumMod val="95000"/>
+                    <a:lumOff val="5000"/>
+                  </a:schemeClr>
+                </a:solidFill>
+                <a:latin typeface="思源黑体 CN Heavy" panose="020B0A00000000000000" pitchFamily="34" charset="-122"/>
+                <a:ea typeface="思源黑体 CN Heavy" panose="020B0A00000000000000" pitchFamily="34" charset="-122"/>
+                <a:cs typeface="思源黑体 CN Regular" panose="020B0500000000000000" charset="-122"/>
+              </a:rPr>
+              <a:t> </a:t>
+            </a:r>
+            <a:r>
+              <a:rPr lang="en-US" altLang="zh-CN" sz="2800" dirty="0" err="1">
+                <a:solidFill>
+                  <a:schemeClr val="tx1">
+                    <a:lumMod val="95000"/>
+                    <a:lumOff val="5000"/>
+                  </a:schemeClr>
+                </a:solidFill>
+                <a:latin typeface="思源黑体 CN Heavy" panose="020B0A00000000000000" pitchFamily="34" charset="-122"/>
+                <a:ea typeface="思源黑体 CN Heavy" panose="020B0A00000000000000" pitchFamily="34" charset="-122"/>
+                <a:cs typeface="思源黑体 CN Regular" panose="020B0500000000000000" charset="-122"/>
+              </a:rPr>
+              <a:t>técnico</a:t>
+            </a:r>
+            <a:endParaRPr lang="en-US" altLang="zh-CN" sz="2800" b="0" i="0" dirty="0">
+              <a:solidFill>
+                <a:schemeClr val="tx1">
+                  <a:lumMod val="95000"/>
+                  <a:lumOff val="5000"/>
+                </a:schemeClr>
+              </a:solidFill>
+              <a:effectLst/>
+              <a:uFillTx/>
+              <a:latin typeface="思源黑体 CN Heavy" panose="020B0A00000000000000" pitchFamily="34" charset="-122"/>
+              <a:ea typeface="思源黑体 CN Heavy" panose="020B0A00000000000000" pitchFamily="34" charset="-122"/>
+              <a:cs typeface="思源黑体 CN Regular" panose="020B0500000000000000" charset="-122"/>
+            </a:endParaRPr>
+          </a:p>
+        </p:txBody>
+      </p:sp>
+      <p:pic>
+        <p:nvPicPr>
+          <p:cNvPr id="5" name="Imagem 4">
             <a:extLst>
               <a:ext uri="{FF2B5EF4-FFF2-40B4-BE49-F238E27FC236}">
-                <a16:creationId xmlns:a16="http://schemas.microsoft.com/office/drawing/2014/main" id="{6F49B134-35FB-483E-A0C3-8A026EC6CA0F}"/>
+                <a16:creationId xmlns:a16="http://schemas.microsoft.com/office/drawing/2014/main" id="{065C2AA9-2E3E-42BD-AF1E-A7ADA8F8074C}"/>
               </a:ext>
             </a:extLst>
           </p:cNvPr>
-          <p:cNvSpPr txBox="1"/>
-          <p:nvPr/>
-        </p:nvSpPr>
-        <p:spPr bwMode="auto">
-          <a:xfrm>
-            <a:off x="4339267" y="1434904"/>
-            <a:ext cx="3513465" cy="610180"/>
-          </a:xfrm>
-          <a:prstGeom prst="rect">
-            <a:avLst/>
-          </a:prstGeom>
-          <a:noFill/>
-          <a:ln>
-            <a:noFill/>
-          </a:ln>
-          <a:extLst>
-            <a:ext uri="{909E8E84-426E-40DD-AFC4-6F175D3DCCD1}">
-              <a14:hiddenFill xmlns:a14="http://schemas.microsoft.com/office/drawing/2010/main">
-                <a:solidFill>
-                  <a:srgbClr val="FFFFFF"/>
-                </a:solidFill>
-              </a14:hiddenFill>
-            </a:ext>
-            <a:ext uri="{91240B29-F687-4F45-9708-019B960494DF}">
-              <a14:hiddenLine xmlns:a14="http://schemas.microsoft.com/office/drawing/2010/main" w="9525">
-                <a:solidFill>
-                  <a:srgbClr val="000000"/>
-                </a:solidFill>
-                <a:miter lim="800000"/>
-                <a:headEnd/>
-                <a:tailEnd/>
-              </a14:hiddenLine>
-            </a:ext>
-          </a:extLst>
-        </p:spPr>
-        <p:txBody>
-          <a:bodyPr wrap="none" lIns="90000" tIns="46800" rIns="90000" bIns="46800" anchor="b" anchorCtr="0">
-            <a:normAutofit/>
-          </a:bodyPr>
-          <a:lstStyle>
-            <a:defPPr>
-              <a:defRPr lang="zh-CN"/>
-            </a:defPPr>
-            <a:lvl1pPr marL="0" algn="l" defTabSz="914400" rtl="0" eaLnBrk="1" latinLnBrk="0" hangingPunct="1">
-              <a:defRPr sz="1800" kern="1200">
-                <a:solidFill>
-                  <a:schemeClr val="tx1"/>
-                </a:solidFill>
-              </a:defRPr>
-            </a:lvl1pPr>
-            <a:lvl2pPr marL="457200" algn="l" defTabSz="914400" rtl="0" eaLnBrk="1" latinLnBrk="0" hangingPunct="1">
-              <a:defRPr sz="1800" kern="1200">
-                <a:solidFill>
-                  <a:schemeClr val="tx1"/>
-                </a:solidFill>
-              </a:defRPr>
-            </a:lvl2pPr>
-            <a:lvl3pPr marL="914400" algn="l" defTabSz="914400" rtl="0" eaLnBrk="1" latinLnBrk="0" hangingPunct="1">
-              <a:defRPr sz="1800" kern="1200">
-                <a:solidFill>
-                  <a:schemeClr val="tx1"/>
-                </a:solidFill>
-              </a:defRPr>
-            </a:lvl3pPr>
-            <a:lvl4pPr marL="1371600" algn="l" defTabSz="914400" rtl="0" eaLnBrk="1" latinLnBrk="0" hangingPunct="1">
-              <a:defRPr sz="1800" kern="1200">
-                <a:solidFill>
-                  <a:schemeClr val="tx1"/>
-                </a:solidFill>
-              </a:defRPr>
-            </a:lvl4pPr>
-            <a:lvl5pPr marL="1828800" algn="l" defTabSz="914400" rtl="0" eaLnBrk="1" latinLnBrk="0" hangingPunct="1">
-              <a:defRPr sz="1800" kern="1200">
-                <a:solidFill>
-                  <a:schemeClr val="tx1"/>
-                </a:solidFill>
-              </a:defRPr>
-            </a:lvl5pPr>
-            <a:lvl6pPr marL="2286000" algn="l" defTabSz="914400" rtl="0" eaLnBrk="1" latinLnBrk="0" hangingPunct="1">
-              <a:defRPr sz="1800" kern="1200">
-                <a:solidFill>
-                  <a:schemeClr val="tx1"/>
-                </a:solidFill>
-              </a:defRPr>
-            </a:lvl6pPr>
-            <a:lvl7pPr marL="2743200" algn="l" defTabSz="914400" rtl="0" eaLnBrk="1" latinLnBrk="0" hangingPunct="1">
-              <a:defRPr sz="1800" kern="1200">
-                <a:solidFill>
-                  <a:schemeClr val="tx1"/>
-                </a:solidFill>
-              </a:defRPr>
-            </a:lvl7pPr>
-            <a:lvl8pPr marL="3200400" algn="l" defTabSz="914400" rtl="0" eaLnBrk="1" latinLnBrk="0" hangingPunct="1">
-              <a:defRPr sz="1800" kern="1200">
-                <a:solidFill>
-                  <a:schemeClr val="tx1"/>
-                </a:solidFill>
-              </a:defRPr>
-            </a:lvl8pPr>
-            <a:lvl9pPr marL="3657600" algn="l" defTabSz="914400" rtl="0" eaLnBrk="1" latinLnBrk="0" hangingPunct="1">
-              <a:defRPr sz="1800" kern="1200">
-                <a:solidFill>
-                  <a:schemeClr val="tx1"/>
-                </a:solidFill>
-              </a:defRPr>
-            </a:lvl9pPr>
-          </a:lstStyle>
-          <a:p>
-            <a:pPr marL="0" marR="0" lvl="0" indent="0" algn="l" defTabSz="914400" rtl="0" eaLnBrk="1" fontAlgn="auto" latinLnBrk="0" hangingPunct="1">
-              <a:lnSpc>
-                <a:spcPct val="100000"/>
-              </a:lnSpc>
-              <a:spcBef>
-                <a:spcPct val="0"/>
-              </a:spcBef>
-              <a:spcAft>
-                <a:spcPts val="0"/>
-              </a:spcAft>
-              <a:buClrTx/>
-              <a:buSzTx/>
-              <a:buFontTx/>
-              <a:buNone/>
-              <a:defRPr/>
-            </a:pPr>
-            <a:r>
-              <a:rPr kumimoji="0" lang="en-US" altLang="zh-CN" sz="3200" b="1" i="0" u="none" strike="noStrike" kern="1200" cap="none" spc="0" normalizeH="0" baseline="0" noProof="0" dirty="0">
-                <a:ln>
-                  <a:noFill/>
-                </a:ln>
-                <a:solidFill>
-                  <a:schemeClr val="tx1">
-                    <a:lumMod val="95000"/>
-                    <a:lumOff val="5000"/>
-                  </a:schemeClr>
-                </a:solidFill>
-                <a:effectLst/>
-                <a:uLnTx/>
-                <a:uFillTx/>
-                <a:latin typeface="思源黑体 CN Regular" panose="020B0500000000000000" charset="-122"/>
-                <a:ea typeface="思源黑体 CN Regular" panose="020B0500000000000000" charset="-122"/>
-                <a:cs typeface="思源黑体 CN Regular" panose="020B0500000000000000" charset="-122"/>
-              </a:rPr>
-              <a:t>Product Backlog</a:t>
-            </a:r>
-          </a:p>
-        </p:txBody>
-      </p:sp>
-      <p:pic>
-        <p:nvPicPr>
-          <p:cNvPr id="15" name="Picture 2" descr="Microsoft 365 Education – oit.ua.edu | The University of Alabama">
-            <a:extLst>
-              <a:ext uri="{FF2B5EF4-FFF2-40B4-BE49-F238E27FC236}">
-                <a16:creationId xmlns:a16="http://schemas.microsoft.com/office/drawing/2014/main" id="{3DB4EBD2-506E-47FB-92AC-94EA6C56734E}"/>
-              </a:ext>
-            </a:extLst>
-          </p:cNvPr>
-          <p:cNvPicPr/>
+          <p:cNvPicPr>
+            <a:picLocks noChangeAspect="1"/>
+          </p:cNvPicPr>
           <p:nvPr/>
         </p:nvPicPr>
         <p:blipFill>
-          <a:blip r:embed="rId4"/>
-          <a:stretch/>
+          <a:blip r:embed="rId3">
+            <a:extLst>
+              <a:ext uri="{28A0092B-C50C-407E-A947-70E740481C1C}">
+                <a14:useLocalDpi xmlns:a14="http://schemas.microsoft.com/office/drawing/2010/main" val="0"/>
+              </a:ext>
+            </a:extLst>
+          </a:blip>
+          <a:stretch>
+            <a:fillRect/>
+          </a:stretch>
         </p:blipFill>
         <p:spPr>
           <a:xfrm>
-            <a:off x="5385730" y="2383997"/>
-            <a:ext cx="1420538" cy="1498685"/>
+            <a:off x="379828" y="523220"/>
+            <a:ext cx="11432343" cy="6334780"/>
           </a:xfrm>
           <a:prstGeom prst="rect">
             <a:avLst/>
           </a:prstGeom>
-          <a:ln>
-            <a:noFill/>
-          </a:ln>
         </p:spPr>
       </p:pic>
     </p:spTree>
@@ -17311,67 +16151,14 @@
       </p:grpSpPr>
       <p:sp>
         <p:nvSpPr>
-          <p:cNvPr id="10" name="矩形 9"/>
-          <p:cNvSpPr/>
-          <p:nvPr/>
-        </p:nvSpPr>
-        <p:spPr>
-          <a:xfrm>
-            <a:off x="-12163" y="4445391"/>
-            <a:ext cx="12192000" cy="2440743"/>
-          </a:xfrm>
-          <a:prstGeom prst="rect">
-            <a:avLst/>
-          </a:prstGeom>
-          <a:solidFill>
-            <a:srgbClr val="2499D6"/>
-          </a:solidFill>
-          <a:ln>
-            <a:noFill/>
-          </a:ln>
-        </p:spPr>
-        <p:style>
-          <a:lnRef idx="2">
-            <a:schemeClr val="accent1">
-              <a:shade val="50000"/>
-            </a:schemeClr>
-          </a:lnRef>
-          <a:fillRef idx="1">
-            <a:schemeClr val="accent1"/>
-          </a:fillRef>
-          <a:effectRef idx="0">
-            <a:schemeClr val="accent1"/>
-          </a:effectRef>
-          <a:fontRef idx="minor">
-            <a:schemeClr val="lt1"/>
-          </a:fontRef>
-        </p:style>
-        <p:txBody>
-          <a:bodyPr rtlCol="0" anchor="ctr"/>
-          <a:lstStyle/>
-          <a:p>
-            <a:pPr algn="ctr"/>
-            <a:endParaRPr lang="zh-CN" altLang="en-US" sz="6600" kern="2500" dirty="0">
-              <a:solidFill>
-                <a:schemeClr val="bg1"/>
-              </a:solidFill>
-              <a:latin typeface="思源黑体 ExtraLight" panose="020B0200000000000000" pitchFamily="34" charset="-122"/>
-              <a:ea typeface="思源黑体 ExtraLight" panose="020B0200000000000000" pitchFamily="34" charset="-122"/>
-              <a:cs typeface="思源黑体 CN Regular" panose="020B0500000000000000" charset="-122"/>
-            </a:endParaRPr>
-          </a:p>
-        </p:txBody>
-      </p:sp>
-      <p:sp>
-        <p:nvSpPr>
-          <p:cNvPr id="18" name="文本框 17"/>
+          <p:cNvPr id="10" name="文本框 9"/>
           <p:cNvSpPr txBox="1"/>
           <p:nvPr/>
         </p:nvSpPr>
         <p:spPr>
           <a:xfrm>
-            <a:off x="4198033" y="345815"/>
-            <a:ext cx="3799987" cy="646331"/>
+            <a:off x="3244385" y="5805"/>
+            <a:ext cx="5595377" cy="523220"/>
           </a:xfrm>
           <a:prstGeom prst="rect">
             <a:avLst/>
@@ -17386,47 +16173,74 @@
           <a:p>
             <a:pPr algn="ctr"/>
             <a:r>
-              <a:rPr lang="pt-BR" altLang="zh-CN" sz="3600" dirty="0">
-                <a:solidFill>
-                  <a:schemeClr val="tx1">
-                    <a:lumMod val="95000"/>
-                    <a:lumOff val="5000"/>
-                  </a:schemeClr>
-                </a:solidFill>
-                <a:latin typeface="思源黑体 CN Bold" panose="020B0800000000000000" charset="-122"/>
-                <a:ea typeface="思源黑体 CN Bold" panose="020B0800000000000000" charset="-122"/>
-                <a:cs typeface="思源黑体 CN Bold" panose="020B0800000000000000" charset="-122"/>
-                <a:sym typeface="+mn-ea"/>
-              </a:rPr>
-              <a:t>Metodologia</a:t>
-            </a:r>
-            <a:endParaRPr lang="zh-CN" altLang="zh-CN" sz="3600" dirty="0">
+              <a:rPr lang="en-US" altLang="zh-CN" sz="2800" dirty="0" err="1">
+                <a:solidFill>
+                  <a:schemeClr val="tx1">
+                    <a:lumMod val="95000"/>
+                    <a:lumOff val="5000"/>
+                  </a:schemeClr>
+                </a:solidFill>
+                <a:latin typeface="思源黑体 CN Heavy" panose="020B0A00000000000000" pitchFamily="34" charset="-122"/>
+                <a:ea typeface="思源黑体 CN Heavy" panose="020B0A00000000000000" pitchFamily="34" charset="-122"/>
+                <a:cs typeface="思源黑体 CN Regular" panose="020B0500000000000000" charset="-122"/>
+              </a:rPr>
+              <a:t>Diagrama</a:t>
+            </a:r>
+            <a:r>
+              <a:rPr lang="en-US" altLang="zh-CN" sz="2800" dirty="0">
+                <a:solidFill>
+                  <a:schemeClr val="tx1">
+                    <a:lumMod val="95000"/>
+                    <a:lumOff val="5000"/>
+                  </a:schemeClr>
+                </a:solidFill>
+                <a:latin typeface="思源黑体 CN Heavy" panose="020B0A00000000000000" pitchFamily="34" charset="-122"/>
+                <a:ea typeface="思源黑体 CN Heavy" panose="020B0A00000000000000" pitchFamily="34" charset="-122"/>
+                <a:cs typeface="思源黑体 CN Regular" panose="020B0500000000000000" charset="-122"/>
+              </a:rPr>
+              <a:t> de </a:t>
+            </a:r>
+            <a:r>
+              <a:rPr lang="en-US" altLang="zh-CN" sz="2800" dirty="0" err="1">
+                <a:solidFill>
+                  <a:schemeClr val="tx1">
+                    <a:lumMod val="95000"/>
+                    <a:lumOff val="5000"/>
+                  </a:schemeClr>
+                </a:solidFill>
+                <a:latin typeface="思源黑体 CN Heavy" panose="020B0A00000000000000" pitchFamily="34" charset="-122"/>
+                <a:ea typeface="思源黑体 CN Heavy" panose="020B0A00000000000000" pitchFamily="34" charset="-122"/>
+                <a:cs typeface="思源黑体 CN Regular" panose="020B0500000000000000" charset="-122"/>
+              </a:rPr>
+              <a:t>classe</a:t>
+            </a:r>
+            <a:endParaRPr lang="en-US" altLang="zh-CN" sz="2800" b="0" i="0" dirty="0">
               <a:solidFill>
                 <a:schemeClr val="tx1">
                   <a:lumMod val="95000"/>
                   <a:lumOff val="5000"/>
                 </a:schemeClr>
               </a:solidFill>
+              <a:effectLst/>
               <a:uFillTx/>
-              <a:latin typeface="思源黑体 CN Bold" panose="020B0800000000000000" charset="-122"/>
-              <a:ea typeface="思源黑体 CN Bold" panose="020B0800000000000000" charset="-122"/>
-              <a:cs typeface="思源黑体 CN Bold" panose="020B0800000000000000" charset="-122"/>
-              <a:sym typeface="+mn-ea"/>
+              <a:latin typeface="思源黑体 CN Heavy" panose="020B0A00000000000000" pitchFamily="34" charset="-122"/>
+              <a:ea typeface="思源黑体 CN Heavy" panose="020B0A00000000000000" pitchFamily="34" charset="-122"/>
+              <a:cs typeface="思源黑体 CN Regular" panose="020B0500000000000000" charset="-122"/>
             </a:endParaRPr>
           </a:p>
         </p:txBody>
       </p:sp>
       <p:pic>
         <p:nvPicPr>
-          <p:cNvPr id="26" name="Picture 6" descr="Sprints do Scrum: tudo o que você precisa saber | Atlassian">
+          <p:cNvPr id="3" name="Imagem 2">
             <a:extLst>
               <a:ext uri="{FF2B5EF4-FFF2-40B4-BE49-F238E27FC236}">
-                <a16:creationId xmlns:a16="http://schemas.microsoft.com/office/drawing/2014/main" id="{DA969C03-D400-44D5-A935-578AD5AF299B}"/>
+                <a16:creationId xmlns:a16="http://schemas.microsoft.com/office/drawing/2014/main" id="{3A30600C-7AC9-4910-AC0B-98C69B5BD7E5}"/>
               </a:ext>
             </a:extLst>
           </p:cNvPr>
           <p:cNvPicPr>
-            <a:picLocks noChangeAspect="1" noChangeArrowheads="1"/>
+            <a:picLocks noChangeAspect="1"/>
           </p:cNvPicPr>
           <p:nvPr/>
         </p:nvPicPr>
@@ -17438,261 +16252,26 @@
               </a:ext>
             </a:extLst>
           </a:blip>
-          <a:srcRect/>
           <a:stretch>
             <a:fillRect/>
           </a:stretch>
         </p:blipFill>
-        <p:spPr bwMode="auto">
-          <a:xfrm>
-            <a:off x="4118609" y="2358671"/>
-            <a:ext cx="4281316" cy="2140658"/>
+        <p:spPr>
+          <a:xfrm>
+            <a:off x="0" y="529026"/>
+            <a:ext cx="12192000" cy="6328974"/>
           </a:xfrm>
           <a:prstGeom prst="rect">
             <a:avLst/>
           </a:prstGeom>
-          <a:noFill/>
-          <a:extLst>
-            <a:ext uri="{909E8E84-426E-40DD-AFC4-6F175D3DCCD1}">
-              <a14:hiddenFill xmlns:a14="http://schemas.microsoft.com/office/drawing/2010/main">
-                <a:solidFill>
-                  <a:srgbClr val="FFFFFF"/>
-                </a:solidFill>
-              </a14:hiddenFill>
-            </a:ext>
-          </a:extLst>
         </p:spPr>
       </p:pic>
-      <p:sp>
-        <p:nvSpPr>
-          <p:cNvPr id="31" name="CaixaDeTexto 30">
-            <a:extLst>
-              <a:ext uri="{FF2B5EF4-FFF2-40B4-BE49-F238E27FC236}">
-                <a16:creationId xmlns:a16="http://schemas.microsoft.com/office/drawing/2014/main" id="{439CAD0F-A7C9-4761-9BC2-69F298C08279}"/>
-              </a:ext>
-            </a:extLst>
-          </p:cNvPr>
-          <p:cNvSpPr txBox="1"/>
-          <p:nvPr/>
-        </p:nvSpPr>
-        <p:spPr>
-          <a:xfrm>
-            <a:off x="2613366" y="2358671"/>
-            <a:ext cx="1505243" cy="584775"/>
-          </a:xfrm>
-          <a:prstGeom prst="rect">
-            <a:avLst/>
-          </a:prstGeom>
-          <a:noFill/>
-        </p:spPr>
-        <p:txBody>
-          <a:bodyPr wrap="square" rtlCol="0">
-            <a:spAutoFit/>
-          </a:bodyPr>
-          <a:lstStyle/>
-          <a:p>
-            <a:r>
-              <a:rPr lang="pt-BR" sz="3200" dirty="0">
-                <a:solidFill>
-                  <a:schemeClr val="tx1">
-                    <a:lumMod val="95000"/>
-                    <a:lumOff val="5000"/>
-                  </a:schemeClr>
-                </a:solidFill>
-                <a:latin typeface="Rockwell" panose="02060603020205020403" pitchFamily="18" charset="0"/>
-              </a:rPr>
-              <a:t>Daily</a:t>
-            </a:r>
-            <a:r>
-              <a:rPr lang="pt-BR" sz="3200" dirty="0">
-                <a:solidFill>
-                  <a:schemeClr val="tx1">
-                    <a:lumMod val="95000"/>
-                    <a:lumOff val="5000"/>
-                  </a:schemeClr>
-                </a:solidFill>
-              </a:rPr>
-              <a:t> </a:t>
-            </a:r>
-          </a:p>
-        </p:txBody>
-      </p:sp>
-      <p:sp>
-        <p:nvSpPr>
-          <p:cNvPr id="32" name="CaixaDeTexto 31">
-            <a:extLst>
-              <a:ext uri="{FF2B5EF4-FFF2-40B4-BE49-F238E27FC236}">
-                <a16:creationId xmlns:a16="http://schemas.microsoft.com/office/drawing/2014/main" id="{4EAD367F-AC9A-497B-AA4D-C3E920D70AAF}"/>
-              </a:ext>
-            </a:extLst>
-          </p:cNvPr>
-          <p:cNvSpPr txBox="1"/>
-          <p:nvPr/>
-        </p:nvSpPr>
-        <p:spPr>
-          <a:xfrm>
-            <a:off x="1468901" y="3610956"/>
-            <a:ext cx="2729132" cy="584775"/>
-          </a:xfrm>
-          <a:prstGeom prst="rect">
-            <a:avLst/>
-          </a:prstGeom>
-          <a:noFill/>
-        </p:spPr>
-        <p:txBody>
-          <a:bodyPr wrap="square" rtlCol="0">
-            <a:spAutoFit/>
-          </a:bodyPr>
-          <a:lstStyle/>
-          <a:p>
-            <a:r>
-              <a:rPr lang="pt-BR" sz="3200" dirty="0">
-                <a:solidFill>
-                  <a:schemeClr val="tx1">
-                    <a:lumMod val="95000"/>
-                    <a:lumOff val="5000"/>
-                  </a:schemeClr>
-                </a:solidFill>
-                <a:latin typeface="Rockwell" panose="02060603020205020403" pitchFamily="18" charset="0"/>
-              </a:rPr>
-              <a:t>Planning </a:t>
-            </a:r>
-          </a:p>
-        </p:txBody>
-      </p:sp>
-      <p:sp>
-        <p:nvSpPr>
-          <p:cNvPr id="33" name="CaixaDeTexto 32">
-            <a:extLst>
-              <a:ext uri="{FF2B5EF4-FFF2-40B4-BE49-F238E27FC236}">
-                <a16:creationId xmlns:a16="http://schemas.microsoft.com/office/drawing/2014/main" id="{2D3DA268-7E76-44D6-A01E-9079D1BAB4D3}"/>
-              </a:ext>
-            </a:extLst>
-          </p:cNvPr>
-          <p:cNvSpPr txBox="1"/>
-          <p:nvPr/>
-        </p:nvSpPr>
-        <p:spPr>
-          <a:xfrm>
-            <a:off x="5353929" y="1356679"/>
-            <a:ext cx="1484142" cy="584775"/>
-          </a:xfrm>
-          <a:prstGeom prst="rect">
-            <a:avLst/>
-          </a:prstGeom>
-          <a:noFill/>
-        </p:spPr>
-        <p:txBody>
-          <a:bodyPr wrap="square" rtlCol="0">
-            <a:spAutoFit/>
-          </a:bodyPr>
-          <a:lstStyle/>
-          <a:p>
-            <a:r>
-              <a:rPr lang="pt-BR" sz="3200" dirty="0">
-                <a:solidFill>
-                  <a:schemeClr val="tx1">
-                    <a:lumMod val="95000"/>
-                    <a:lumOff val="5000"/>
-                  </a:schemeClr>
-                </a:solidFill>
-                <a:highlight>
-                  <a:srgbClr val="D4D4D4"/>
-                </a:highlight>
-                <a:latin typeface="Rockwell" panose="02060603020205020403" pitchFamily="18" charset="0"/>
-              </a:rPr>
-              <a:t>Scrum </a:t>
-            </a:r>
-          </a:p>
-        </p:txBody>
-      </p:sp>
-      <p:sp>
-        <p:nvSpPr>
-          <p:cNvPr id="38" name="CaixaDeTexto 37">
-            <a:extLst>
-              <a:ext uri="{FF2B5EF4-FFF2-40B4-BE49-F238E27FC236}">
-                <a16:creationId xmlns:a16="http://schemas.microsoft.com/office/drawing/2014/main" id="{78E2BB05-DE0C-4E3A-BBC3-ECAFCD2FDBC2}"/>
-              </a:ext>
-            </a:extLst>
-          </p:cNvPr>
-          <p:cNvSpPr txBox="1"/>
-          <p:nvPr/>
-        </p:nvSpPr>
-        <p:spPr>
-          <a:xfrm>
-            <a:off x="8788312" y="2358671"/>
-            <a:ext cx="1285328" cy="584775"/>
-          </a:xfrm>
-          <a:prstGeom prst="rect">
-            <a:avLst/>
-          </a:prstGeom>
-          <a:noFill/>
-        </p:spPr>
-        <p:txBody>
-          <a:bodyPr wrap="square" rtlCol="0">
-            <a:spAutoFit/>
-          </a:bodyPr>
-          <a:lstStyle/>
-          <a:p>
-            <a:r>
-              <a:rPr lang="pt-BR" sz="3200" dirty="0">
-                <a:solidFill>
-                  <a:schemeClr val="tx1">
-                    <a:lumMod val="95000"/>
-                    <a:lumOff val="5000"/>
-                  </a:schemeClr>
-                </a:solidFill>
-                <a:latin typeface="Rockwell" panose="02060603020205020403" pitchFamily="18" charset="0"/>
-              </a:rPr>
-              <a:t>Retro </a:t>
-            </a:r>
-          </a:p>
-        </p:txBody>
-      </p:sp>
-      <p:sp>
-        <p:nvSpPr>
-          <p:cNvPr id="39" name="CaixaDeTexto 38">
-            <a:extLst>
-              <a:ext uri="{FF2B5EF4-FFF2-40B4-BE49-F238E27FC236}">
-                <a16:creationId xmlns:a16="http://schemas.microsoft.com/office/drawing/2014/main" id="{22FEF31F-C5E2-401F-B96B-C95B943C9097}"/>
-              </a:ext>
-            </a:extLst>
-          </p:cNvPr>
-          <p:cNvSpPr txBox="1"/>
-          <p:nvPr/>
-        </p:nvSpPr>
-        <p:spPr>
-          <a:xfrm>
-            <a:off x="9170964" y="3610956"/>
-            <a:ext cx="1552135" cy="584775"/>
-          </a:xfrm>
-          <a:prstGeom prst="rect">
-            <a:avLst/>
-          </a:prstGeom>
-          <a:noFill/>
-        </p:spPr>
-        <p:txBody>
-          <a:bodyPr wrap="square" rtlCol="0">
-            <a:spAutoFit/>
-          </a:bodyPr>
-          <a:lstStyle/>
-          <a:p>
-            <a:r>
-              <a:rPr lang="pt-BR" sz="3200" dirty="0">
-                <a:solidFill>
-                  <a:schemeClr val="tx1">
-                    <a:lumMod val="95000"/>
-                    <a:lumOff val="5000"/>
-                  </a:schemeClr>
-                </a:solidFill>
-                <a:latin typeface="Rockwell" panose="02060603020205020403" pitchFamily="18" charset="0"/>
-              </a:rPr>
-              <a:t>Review </a:t>
-            </a:r>
-          </a:p>
-        </p:txBody>
-      </p:sp>
     </p:spTree>
+    <p:extLst>
+      <p:ext uri="{BB962C8B-B14F-4D97-AF65-F5344CB8AC3E}">
+        <p14:creationId xmlns:p14="http://schemas.microsoft.com/office/powerpoint/2010/main" val="3827502084"/>
+      </p:ext>
+    </p:extLst>
   </p:cSld>
   <p:clrMapOvr>
     <a:masterClrMapping/>
